--- a/Personal/IRT_AWS/AWS IRT 아키텍처 프로젝트.pptx
+++ b/Personal/IRT_AWS/AWS IRT 아키텍처 프로젝트.pptx
@@ -6,14 +6,19 @@
   </p:sldMasterIdLst>
   <p:sldIdLst>
     <p:sldId id="256" r:id="rId2"/>
-    <p:sldId id="258" r:id="rId3"/>
-    <p:sldId id="257" r:id="rId4"/>
-    <p:sldId id="261" r:id="rId5"/>
-    <p:sldId id="262" r:id="rId6"/>
-    <p:sldId id="263" r:id="rId7"/>
-    <p:sldId id="264" r:id="rId8"/>
-    <p:sldId id="265" r:id="rId9"/>
-    <p:sldId id="259" r:id="rId10"/>
+    <p:sldId id="268" r:id="rId3"/>
+    <p:sldId id="258" r:id="rId4"/>
+    <p:sldId id="257" r:id="rId5"/>
+    <p:sldId id="261" r:id="rId6"/>
+    <p:sldId id="262" r:id="rId7"/>
+    <p:sldId id="263" r:id="rId8"/>
+    <p:sldId id="264" r:id="rId9"/>
+    <p:sldId id="265" r:id="rId10"/>
+    <p:sldId id="266" r:id="rId11"/>
+    <p:sldId id="267" r:id="rId12"/>
+    <p:sldId id="270" r:id="rId13"/>
+    <p:sldId id="272" r:id="rId14"/>
+    <p:sldId id="271" r:id="rId15"/>
   </p:sldIdLst>
   <p:sldSz cx="12192000" cy="6858000"/>
   <p:notesSz cx="6858000" cy="9144000"/>
@@ -114,7 +119,7 @@
   </p:defaultTextStyle>
   <p:extLst>
     <p:ext uri="{EFAFB233-063F-42B5-8137-9DF3F51BA10A}">
-      <p15:sldGuideLst xmlns:p15="http://schemas.microsoft.com/office/powerpoint/2012/main"/>
+      <p15:sldGuideLst xmlns:p15="http://schemas.microsoft.com/office/powerpoint/2012/main" xmlns=""/>
     </p:ext>
   </p:extLst>
 </p:presentation>
@@ -142,7 +147,7 @@
           <p:cNvPr id="2" name="제목 1">
             <a:extLst>
               <a:ext uri="{FF2B5EF4-FFF2-40B4-BE49-F238E27FC236}">
-                <a16:creationId xmlns:a16="http://schemas.microsoft.com/office/drawing/2014/main" id="{67483399-8542-2E63-9E4E-B0AE9DD85C32}"/>
+                <a16:creationId xmlns:a16="http://schemas.microsoft.com/office/drawing/2014/main" xmlns="" id="{67483399-8542-2E63-9E4E-B0AE9DD85C32}"/>
               </a:ext>
             </a:extLst>
           </p:cNvPr>
@@ -179,7 +184,7 @@
           <p:cNvPr id="3" name="부제목 2">
             <a:extLst>
               <a:ext uri="{FF2B5EF4-FFF2-40B4-BE49-F238E27FC236}">
-                <a16:creationId xmlns:a16="http://schemas.microsoft.com/office/drawing/2014/main" id="{941C1B8B-BC97-A6E4-4D8E-357D9A1877BA}"/>
+                <a16:creationId xmlns:a16="http://schemas.microsoft.com/office/drawing/2014/main" xmlns="" id="{941C1B8B-BC97-A6E4-4D8E-357D9A1877BA}"/>
               </a:ext>
             </a:extLst>
           </p:cNvPr>
@@ -249,7 +254,7 @@
           <p:cNvPr id="4" name="날짜 개체 틀 3">
             <a:extLst>
               <a:ext uri="{FF2B5EF4-FFF2-40B4-BE49-F238E27FC236}">
-                <a16:creationId xmlns:a16="http://schemas.microsoft.com/office/drawing/2014/main" id="{AD51B785-5377-C599-6D52-68D17EC4FC3B}"/>
+                <a16:creationId xmlns:a16="http://schemas.microsoft.com/office/drawing/2014/main" xmlns="" id="{AD51B785-5377-C599-6D52-68D17EC4FC3B}"/>
               </a:ext>
             </a:extLst>
           </p:cNvPr>
@@ -267,7 +272,7 @@
           <a:p>
             <a:fld id="{28FED278-4908-4B8B-A6E4-86D3679FD87F}" type="datetimeFigureOut">
               <a:rPr lang="ko-KR" altLang="en-US" smtClean="0"/>
-              <a:t>2024-10-27</a:t>
+              <a:t>2024-10-29</a:t>
             </a:fld>
             <a:endParaRPr lang="ko-KR" altLang="en-US"/>
           </a:p>
@@ -278,7 +283,7 @@
           <p:cNvPr id="5" name="바닥글 개체 틀 4">
             <a:extLst>
               <a:ext uri="{FF2B5EF4-FFF2-40B4-BE49-F238E27FC236}">
-                <a16:creationId xmlns:a16="http://schemas.microsoft.com/office/drawing/2014/main" id="{BE5AC581-9EA8-2CA5-5156-F5751E1098D7}"/>
+                <a16:creationId xmlns:a16="http://schemas.microsoft.com/office/drawing/2014/main" xmlns="" id="{BE5AC581-9EA8-2CA5-5156-F5751E1098D7}"/>
               </a:ext>
             </a:extLst>
           </p:cNvPr>
@@ -303,7 +308,7 @@
           <p:cNvPr id="6" name="슬라이드 번호 개체 틀 5">
             <a:extLst>
               <a:ext uri="{FF2B5EF4-FFF2-40B4-BE49-F238E27FC236}">
-                <a16:creationId xmlns:a16="http://schemas.microsoft.com/office/drawing/2014/main" id="{A5CE5DE6-7BFB-F258-DA8F-3B8DC144FE2B}"/>
+                <a16:creationId xmlns:a16="http://schemas.microsoft.com/office/drawing/2014/main" xmlns="" id="{A5CE5DE6-7BFB-F258-DA8F-3B8DC144FE2B}"/>
               </a:ext>
             </a:extLst>
           </p:cNvPr>
@@ -362,7 +367,7 @@
           <p:cNvPr id="2" name="제목 1">
             <a:extLst>
               <a:ext uri="{FF2B5EF4-FFF2-40B4-BE49-F238E27FC236}">
-                <a16:creationId xmlns:a16="http://schemas.microsoft.com/office/drawing/2014/main" id="{09ADA194-01D4-A01D-9955-F2673D37A7D5}"/>
+                <a16:creationId xmlns:a16="http://schemas.microsoft.com/office/drawing/2014/main" xmlns="" id="{09ADA194-01D4-A01D-9955-F2673D37A7D5}"/>
               </a:ext>
             </a:extLst>
           </p:cNvPr>
@@ -390,7 +395,7 @@
           <p:cNvPr id="3" name="세로 텍스트 개체 틀 2">
             <a:extLst>
               <a:ext uri="{FF2B5EF4-FFF2-40B4-BE49-F238E27FC236}">
-                <a16:creationId xmlns:a16="http://schemas.microsoft.com/office/drawing/2014/main" id="{F7D0E11C-1845-6DAE-7788-ECD88862B747}"/>
+                <a16:creationId xmlns:a16="http://schemas.microsoft.com/office/drawing/2014/main" xmlns="" id="{F7D0E11C-1845-6DAE-7788-ECD88862B747}"/>
               </a:ext>
             </a:extLst>
           </p:cNvPr>
@@ -447,7 +452,7 @@
           <p:cNvPr id="4" name="날짜 개체 틀 3">
             <a:extLst>
               <a:ext uri="{FF2B5EF4-FFF2-40B4-BE49-F238E27FC236}">
-                <a16:creationId xmlns:a16="http://schemas.microsoft.com/office/drawing/2014/main" id="{B395E55A-B48B-ABFA-10AA-DDF87F86B5DB}"/>
+                <a16:creationId xmlns:a16="http://schemas.microsoft.com/office/drawing/2014/main" xmlns="" id="{B395E55A-B48B-ABFA-10AA-DDF87F86B5DB}"/>
               </a:ext>
             </a:extLst>
           </p:cNvPr>
@@ -465,7 +470,7 @@
           <a:p>
             <a:fld id="{28FED278-4908-4B8B-A6E4-86D3679FD87F}" type="datetimeFigureOut">
               <a:rPr lang="ko-KR" altLang="en-US" smtClean="0"/>
-              <a:t>2024-10-27</a:t>
+              <a:t>2024-10-29</a:t>
             </a:fld>
             <a:endParaRPr lang="ko-KR" altLang="en-US"/>
           </a:p>
@@ -476,7 +481,7 @@
           <p:cNvPr id="5" name="바닥글 개체 틀 4">
             <a:extLst>
               <a:ext uri="{FF2B5EF4-FFF2-40B4-BE49-F238E27FC236}">
-                <a16:creationId xmlns:a16="http://schemas.microsoft.com/office/drawing/2014/main" id="{5ABC48BD-F1F0-AF20-112D-3DD761ECE1B8}"/>
+                <a16:creationId xmlns:a16="http://schemas.microsoft.com/office/drawing/2014/main" xmlns="" id="{5ABC48BD-F1F0-AF20-112D-3DD761ECE1B8}"/>
               </a:ext>
             </a:extLst>
           </p:cNvPr>
@@ -501,7 +506,7 @@
           <p:cNvPr id="6" name="슬라이드 번호 개체 틀 5">
             <a:extLst>
               <a:ext uri="{FF2B5EF4-FFF2-40B4-BE49-F238E27FC236}">
-                <a16:creationId xmlns:a16="http://schemas.microsoft.com/office/drawing/2014/main" id="{B0075945-A447-CE06-FA9E-A88691E07B38}"/>
+                <a16:creationId xmlns:a16="http://schemas.microsoft.com/office/drawing/2014/main" xmlns="" id="{B0075945-A447-CE06-FA9E-A88691E07B38}"/>
               </a:ext>
             </a:extLst>
           </p:cNvPr>
@@ -560,7 +565,7 @@
           <p:cNvPr id="2" name="세로 제목 1">
             <a:extLst>
               <a:ext uri="{FF2B5EF4-FFF2-40B4-BE49-F238E27FC236}">
-                <a16:creationId xmlns:a16="http://schemas.microsoft.com/office/drawing/2014/main" id="{DE7050B7-0ADD-130A-766D-2425D71A706B}"/>
+                <a16:creationId xmlns:a16="http://schemas.microsoft.com/office/drawing/2014/main" xmlns="" id="{DE7050B7-0ADD-130A-766D-2425D71A706B}"/>
               </a:ext>
             </a:extLst>
           </p:cNvPr>
@@ -593,7 +598,7 @@
           <p:cNvPr id="3" name="세로 텍스트 개체 틀 2">
             <a:extLst>
               <a:ext uri="{FF2B5EF4-FFF2-40B4-BE49-F238E27FC236}">
-                <a16:creationId xmlns:a16="http://schemas.microsoft.com/office/drawing/2014/main" id="{9CF6ABD1-9713-7249-1F4B-0C2F16090289}"/>
+                <a16:creationId xmlns:a16="http://schemas.microsoft.com/office/drawing/2014/main" xmlns="" id="{9CF6ABD1-9713-7249-1F4B-0C2F16090289}"/>
               </a:ext>
             </a:extLst>
           </p:cNvPr>
@@ -655,7 +660,7 @@
           <p:cNvPr id="4" name="날짜 개체 틀 3">
             <a:extLst>
               <a:ext uri="{FF2B5EF4-FFF2-40B4-BE49-F238E27FC236}">
-                <a16:creationId xmlns:a16="http://schemas.microsoft.com/office/drawing/2014/main" id="{2746FC98-CC2F-08BF-2846-7D9D798D97CC}"/>
+                <a16:creationId xmlns:a16="http://schemas.microsoft.com/office/drawing/2014/main" xmlns="" id="{2746FC98-CC2F-08BF-2846-7D9D798D97CC}"/>
               </a:ext>
             </a:extLst>
           </p:cNvPr>
@@ -673,7 +678,7 @@
           <a:p>
             <a:fld id="{28FED278-4908-4B8B-A6E4-86D3679FD87F}" type="datetimeFigureOut">
               <a:rPr lang="ko-KR" altLang="en-US" smtClean="0"/>
-              <a:t>2024-10-27</a:t>
+              <a:t>2024-10-29</a:t>
             </a:fld>
             <a:endParaRPr lang="ko-KR" altLang="en-US"/>
           </a:p>
@@ -684,7 +689,7 @@
           <p:cNvPr id="5" name="바닥글 개체 틀 4">
             <a:extLst>
               <a:ext uri="{FF2B5EF4-FFF2-40B4-BE49-F238E27FC236}">
-                <a16:creationId xmlns:a16="http://schemas.microsoft.com/office/drawing/2014/main" id="{933F215A-9D8A-4EED-7D47-5E10778E238E}"/>
+                <a16:creationId xmlns:a16="http://schemas.microsoft.com/office/drawing/2014/main" xmlns="" id="{933F215A-9D8A-4EED-7D47-5E10778E238E}"/>
               </a:ext>
             </a:extLst>
           </p:cNvPr>
@@ -709,7 +714,7 @@
           <p:cNvPr id="6" name="슬라이드 번호 개체 틀 5">
             <a:extLst>
               <a:ext uri="{FF2B5EF4-FFF2-40B4-BE49-F238E27FC236}">
-                <a16:creationId xmlns:a16="http://schemas.microsoft.com/office/drawing/2014/main" id="{142FC7E6-EFA9-8D66-80D5-3623AFDC413A}"/>
+                <a16:creationId xmlns:a16="http://schemas.microsoft.com/office/drawing/2014/main" xmlns="" id="{142FC7E6-EFA9-8D66-80D5-3623AFDC413A}"/>
               </a:ext>
             </a:extLst>
           </p:cNvPr>
@@ -768,7 +773,7 @@
           <p:cNvPr id="2" name="제목 1">
             <a:extLst>
               <a:ext uri="{FF2B5EF4-FFF2-40B4-BE49-F238E27FC236}">
-                <a16:creationId xmlns:a16="http://schemas.microsoft.com/office/drawing/2014/main" id="{91A752D6-5A1B-153B-1A2F-B2D627126917}"/>
+                <a16:creationId xmlns:a16="http://schemas.microsoft.com/office/drawing/2014/main" xmlns="" id="{91A752D6-5A1B-153B-1A2F-B2D627126917}"/>
               </a:ext>
             </a:extLst>
           </p:cNvPr>
@@ -796,7 +801,7 @@
           <p:cNvPr id="3" name="내용 개체 틀 2">
             <a:extLst>
               <a:ext uri="{FF2B5EF4-FFF2-40B4-BE49-F238E27FC236}">
-                <a16:creationId xmlns:a16="http://schemas.microsoft.com/office/drawing/2014/main" id="{CF34F4F2-B204-E689-8E71-B5284408CAF2}"/>
+                <a16:creationId xmlns:a16="http://schemas.microsoft.com/office/drawing/2014/main" xmlns="" id="{CF34F4F2-B204-E689-8E71-B5284408CAF2}"/>
               </a:ext>
             </a:extLst>
           </p:cNvPr>
@@ -853,7 +858,7 @@
           <p:cNvPr id="4" name="날짜 개체 틀 3">
             <a:extLst>
               <a:ext uri="{FF2B5EF4-FFF2-40B4-BE49-F238E27FC236}">
-                <a16:creationId xmlns:a16="http://schemas.microsoft.com/office/drawing/2014/main" id="{4646243E-E424-1D1D-D3CA-54269484C1EF}"/>
+                <a16:creationId xmlns:a16="http://schemas.microsoft.com/office/drawing/2014/main" xmlns="" id="{4646243E-E424-1D1D-D3CA-54269484C1EF}"/>
               </a:ext>
             </a:extLst>
           </p:cNvPr>
@@ -871,7 +876,7 @@
           <a:p>
             <a:fld id="{28FED278-4908-4B8B-A6E4-86D3679FD87F}" type="datetimeFigureOut">
               <a:rPr lang="ko-KR" altLang="en-US" smtClean="0"/>
-              <a:t>2024-10-27</a:t>
+              <a:t>2024-10-29</a:t>
             </a:fld>
             <a:endParaRPr lang="ko-KR" altLang="en-US"/>
           </a:p>
@@ -882,7 +887,7 @@
           <p:cNvPr id="5" name="바닥글 개체 틀 4">
             <a:extLst>
               <a:ext uri="{FF2B5EF4-FFF2-40B4-BE49-F238E27FC236}">
-                <a16:creationId xmlns:a16="http://schemas.microsoft.com/office/drawing/2014/main" id="{6BFAAB87-BBCC-6800-CE61-F4A44584AC3E}"/>
+                <a16:creationId xmlns:a16="http://schemas.microsoft.com/office/drawing/2014/main" xmlns="" id="{6BFAAB87-BBCC-6800-CE61-F4A44584AC3E}"/>
               </a:ext>
             </a:extLst>
           </p:cNvPr>
@@ -907,7 +912,7 @@
           <p:cNvPr id="6" name="슬라이드 번호 개체 틀 5">
             <a:extLst>
               <a:ext uri="{FF2B5EF4-FFF2-40B4-BE49-F238E27FC236}">
-                <a16:creationId xmlns:a16="http://schemas.microsoft.com/office/drawing/2014/main" id="{3169BFE0-6DCB-2461-5B2F-B7A737869953}"/>
+                <a16:creationId xmlns:a16="http://schemas.microsoft.com/office/drawing/2014/main" xmlns="" id="{3169BFE0-6DCB-2461-5B2F-B7A737869953}"/>
               </a:ext>
             </a:extLst>
           </p:cNvPr>
@@ -966,7 +971,7 @@
           <p:cNvPr id="2" name="제목 1">
             <a:extLst>
               <a:ext uri="{FF2B5EF4-FFF2-40B4-BE49-F238E27FC236}">
-                <a16:creationId xmlns:a16="http://schemas.microsoft.com/office/drawing/2014/main" id="{BFB0CEBB-9ECC-BBDF-908B-5EA960189A59}"/>
+                <a16:creationId xmlns:a16="http://schemas.microsoft.com/office/drawing/2014/main" xmlns="" id="{BFB0CEBB-9ECC-BBDF-908B-5EA960189A59}"/>
               </a:ext>
             </a:extLst>
           </p:cNvPr>
@@ -1003,7 +1008,7 @@
           <p:cNvPr id="3" name="텍스트 개체 틀 2">
             <a:extLst>
               <a:ext uri="{FF2B5EF4-FFF2-40B4-BE49-F238E27FC236}">
-                <a16:creationId xmlns:a16="http://schemas.microsoft.com/office/drawing/2014/main" id="{F8FBFE4D-0D70-0BD4-9F70-340C0D809248}"/>
+                <a16:creationId xmlns:a16="http://schemas.microsoft.com/office/drawing/2014/main" xmlns="" id="{F8FBFE4D-0D70-0BD4-9F70-340C0D809248}"/>
               </a:ext>
             </a:extLst>
           </p:cNvPr>
@@ -1128,7 +1133,7 @@
           <p:cNvPr id="4" name="날짜 개체 틀 3">
             <a:extLst>
               <a:ext uri="{FF2B5EF4-FFF2-40B4-BE49-F238E27FC236}">
-                <a16:creationId xmlns:a16="http://schemas.microsoft.com/office/drawing/2014/main" id="{E20FE3BB-EB95-301D-61C4-79A1135EF75B}"/>
+                <a16:creationId xmlns:a16="http://schemas.microsoft.com/office/drawing/2014/main" xmlns="" id="{E20FE3BB-EB95-301D-61C4-79A1135EF75B}"/>
               </a:ext>
             </a:extLst>
           </p:cNvPr>
@@ -1146,7 +1151,7 @@
           <a:p>
             <a:fld id="{28FED278-4908-4B8B-A6E4-86D3679FD87F}" type="datetimeFigureOut">
               <a:rPr lang="ko-KR" altLang="en-US" smtClean="0"/>
-              <a:t>2024-10-27</a:t>
+              <a:t>2024-10-29</a:t>
             </a:fld>
             <a:endParaRPr lang="ko-KR" altLang="en-US"/>
           </a:p>
@@ -1157,7 +1162,7 @@
           <p:cNvPr id="5" name="바닥글 개체 틀 4">
             <a:extLst>
               <a:ext uri="{FF2B5EF4-FFF2-40B4-BE49-F238E27FC236}">
-                <a16:creationId xmlns:a16="http://schemas.microsoft.com/office/drawing/2014/main" id="{D497EC6E-6B7F-7A28-4C81-FFEFBF5F8E8D}"/>
+                <a16:creationId xmlns:a16="http://schemas.microsoft.com/office/drawing/2014/main" xmlns="" id="{D497EC6E-6B7F-7A28-4C81-FFEFBF5F8E8D}"/>
               </a:ext>
             </a:extLst>
           </p:cNvPr>
@@ -1182,7 +1187,7 @@
           <p:cNvPr id="6" name="슬라이드 번호 개체 틀 5">
             <a:extLst>
               <a:ext uri="{FF2B5EF4-FFF2-40B4-BE49-F238E27FC236}">
-                <a16:creationId xmlns:a16="http://schemas.microsoft.com/office/drawing/2014/main" id="{31E94717-A600-F028-0975-90481E31BBE9}"/>
+                <a16:creationId xmlns:a16="http://schemas.microsoft.com/office/drawing/2014/main" xmlns="" id="{31E94717-A600-F028-0975-90481E31BBE9}"/>
               </a:ext>
             </a:extLst>
           </p:cNvPr>
@@ -1241,7 +1246,7 @@
           <p:cNvPr id="2" name="제목 1">
             <a:extLst>
               <a:ext uri="{FF2B5EF4-FFF2-40B4-BE49-F238E27FC236}">
-                <a16:creationId xmlns:a16="http://schemas.microsoft.com/office/drawing/2014/main" id="{4501E3AF-CAAD-6A59-AD02-A72CBED5D568}"/>
+                <a16:creationId xmlns:a16="http://schemas.microsoft.com/office/drawing/2014/main" xmlns="" id="{4501E3AF-CAAD-6A59-AD02-A72CBED5D568}"/>
               </a:ext>
             </a:extLst>
           </p:cNvPr>
@@ -1269,7 +1274,7 @@
           <p:cNvPr id="3" name="내용 개체 틀 2">
             <a:extLst>
               <a:ext uri="{FF2B5EF4-FFF2-40B4-BE49-F238E27FC236}">
-                <a16:creationId xmlns:a16="http://schemas.microsoft.com/office/drawing/2014/main" id="{B3B3809E-FB74-17BF-AD11-48D11A569DFE}"/>
+                <a16:creationId xmlns:a16="http://schemas.microsoft.com/office/drawing/2014/main" xmlns="" id="{B3B3809E-FB74-17BF-AD11-48D11A569DFE}"/>
               </a:ext>
             </a:extLst>
           </p:cNvPr>
@@ -1331,7 +1336,7 @@
           <p:cNvPr id="4" name="내용 개체 틀 3">
             <a:extLst>
               <a:ext uri="{FF2B5EF4-FFF2-40B4-BE49-F238E27FC236}">
-                <a16:creationId xmlns:a16="http://schemas.microsoft.com/office/drawing/2014/main" id="{8E86B1CB-D09F-441C-D7C9-A09C02F7FD2B}"/>
+                <a16:creationId xmlns:a16="http://schemas.microsoft.com/office/drawing/2014/main" xmlns="" id="{8E86B1CB-D09F-441C-D7C9-A09C02F7FD2B}"/>
               </a:ext>
             </a:extLst>
           </p:cNvPr>
@@ -1393,7 +1398,7 @@
           <p:cNvPr id="5" name="날짜 개체 틀 4">
             <a:extLst>
               <a:ext uri="{FF2B5EF4-FFF2-40B4-BE49-F238E27FC236}">
-                <a16:creationId xmlns:a16="http://schemas.microsoft.com/office/drawing/2014/main" id="{20045F60-BA32-F63E-800C-155DE44A2FF9}"/>
+                <a16:creationId xmlns:a16="http://schemas.microsoft.com/office/drawing/2014/main" xmlns="" id="{20045F60-BA32-F63E-800C-155DE44A2FF9}"/>
               </a:ext>
             </a:extLst>
           </p:cNvPr>
@@ -1411,7 +1416,7 @@
           <a:p>
             <a:fld id="{28FED278-4908-4B8B-A6E4-86D3679FD87F}" type="datetimeFigureOut">
               <a:rPr lang="ko-KR" altLang="en-US" smtClean="0"/>
-              <a:t>2024-10-27</a:t>
+              <a:t>2024-10-29</a:t>
             </a:fld>
             <a:endParaRPr lang="ko-KR" altLang="en-US"/>
           </a:p>
@@ -1422,7 +1427,7 @@
           <p:cNvPr id="6" name="바닥글 개체 틀 5">
             <a:extLst>
               <a:ext uri="{FF2B5EF4-FFF2-40B4-BE49-F238E27FC236}">
-                <a16:creationId xmlns:a16="http://schemas.microsoft.com/office/drawing/2014/main" id="{C3711B44-FC6D-8C48-63E3-5464A9F634D7}"/>
+                <a16:creationId xmlns:a16="http://schemas.microsoft.com/office/drawing/2014/main" xmlns="" id="{C3711B44-FC6D-8C48-63E3-5464A9F634D7}"/>
               </a:ext>
             </a:extLst>
           </p:cNvPr>
@@ -1447,7 +1452,7 @@
           <p:cNvPr id="7" name="슬라이드 번호 개체 틀 6">
             <a:extLst>
               <a:ext uri="{FF2B5EF4-FFF2-40B4-BE49-F238E27FC236}">
-                <a16:creationId xmlns:a16="http://schemas.microsoft.com/office/drawing/2014/main" id="{BBC8D19F-AB74-0F04-D91D-E6492C12B571}"/>
+                <a16:creationId xmlns:a16="http://schemas.microsoft.com/office/drawing/2014/main" xmlns="" id="{BBC8D19F-AB74-0F04-D91D-E6492C12B571}"/>
               </a:ext>
             </a:extLst>
           </p:cNvPr>
@@ -1506,7 +1511,7 @@
           <p:cNvPr id="2" name="제목 1">
             <a:extLst>
               <a:ext uri="{FF2B5EF4-FFF2-40B4-BE49-F238E27FC236}">
-                <a16:creationId xmlns:a16="http://schemas.microsoft.com/office/drawing/2014/main" id="{F8291371-AEA3-3E3E-B5F4-ED150BEAFC5A}"/>
+                <a16:creationId xmlns:a16="http://schemas.microsoft.com/office/drawing/2014/main" xmlns="" id="{F8291371-AEA3-3E3E-B5F4-ED150BEAFC5A}"/>
               </a:ext>
             </a:extLst>
           </p:cNvPr>
@@ -1539,7 +1544,7 @@
           <p:cNvPr id="3" name="텍스트 개체 틀 2">
             <a:extLst>
               <a:ext uri="{FF2B5EF4-FFF2-40B4-BE49-F238E27FC236}">
-                <a16:creationId xmlns:a16="http://schemas.microsoft.com/office/drawing/2014/main" id="{FAD60EAE-BCD3-446F-4991-1E691263E3B6}"/>
+                <a16:creationId xmlns:a16="http://schemas.microsoft.com/office/drawing/2014/main" xmlns="" id="{FAD60EAE-BCD3-446F-4991-1E691263E3B6}"/>
               </a:ext>
             </a:extLst>
           </p:cNvPr>
@@ -1610,7 +1615,7 @@
           <p:cNvPr id="4" name="내용 개체 틀 3">
             <a:extLst>
               <a:ext uri="{FF2B5EF4-FFF2-40B4-BE49-F238E27FC236}">
-                <a16:creationId xmlns:a16="http://schemas.microsoft.com/office/drawing/2014/main" id="{54C65F2D-1AC3-CA34-47A9-0DB38CF98DDF}"/>
+                <a16:creationId xmlns:a16="http://schemas.microsoft.com/office/drawing/2014/main" xmlns="" id="{54C65F2D-1AC3-CA34-47A9-0DB38CF98DDF}"/>
               </a:ext>
             </a:extLst>
           </p:cNvPr>
@@ -1672,7 +1677,7 @@
           <p:cNvPr id="5" name="텍스트 개체 틀 4">
             <a:extLst>
               <a:ext uri="{FF2B5EF4-FFF2-40B4-BE49-F238E27FC236}">
-                <a16:creationId xmlns:a16="http://schemas.microsoft.com/office/drawing/2014/main" id="{05E6E3AD-D378-1AA3-757D-4C3D6D1FF405}"/>
+                <a16:creationId xmlns:a16="http://schemas.microsoft.com/office/drawing/2014/main" xmlns="" id="{05E6E3AD-D378-1AA3-757D-4C3D6D1FF405}"/>
               </a:ext>
             </a:extLst>
           </p:cNvPr>
@@ -1743,7 +1748,7 @@
           <p:cNvPr id="6" name="내용 개체 틀 5">
             <a:extLst>
               <a:ext uri="{FF2B5EF4-FFF2-40B4-BE49-F238E27FC236}">
-                <a16:creationId xmlns:a16="http://schemas.microsoft.com/office/drawing/2014/main" id="{C610AD4A-F221-1659-1429-2F71926D9053}"/>
+                <a16:creationId xmlns:a16="http://schemas.microsoft.com/office/drawing/2014/main" xmlns="" id="{C610AD4A-F221-1659-1429-2F71926D9053}"/>
               </a:ext>
             </a:extLst>
           </p:cNvPr>
@@ -1805,7 +1810,7 @@
           <p:cNvPr id="7" name="날짜 개체 틀 6">
             <a:extLst>
               <a:ext uri="{FF2B5EF4-FFF2-40B4-BE49-F238E27FC236}">
-                <a16:creationId xmlns:a16="http://schemas.microsoft.com/office/drawing/2014/main" id="{4E77A1AA-1BE8-9B7B-51FA-DE8944C3D4D9}"/>
+                <a16:creationId xmlns:a16="http://schemas.microsoft.com/office/drawing/2014/main" xmlns="" id="{4E77A1AA-1BE8-9B7B-51FA-DE8944C3D4D9}"/>
               </a:ext>
             </a:extLst>
           </p:cNvPr>
@@ -1823,7 +1828,7 @@
           <a:p>
             <a:fld id="{28FED278-4908-4B8B-A6E4-86D3679FD87F}" type="datetimeFigureOut">
               <a:rPr lang="ko-KR" altLang="en-US" smtClean="0"/>
-              <a:t>2024-10-27</a:t>
+              <a:t>2024-10-29</a:t>
             </a:fld>
             <a:endParaRPr lang="ko-KR" altLang="en-US"/>
           </a:p>
@@ -1834,7 +1839,7 @@
           <p:cNvPr id="8" name="바닥글 개체 틀 7">
             <a:extLst>
               <a:ext uri="{FF2B5EF4-FFF2-40B4-BE49-F238E27FC236}">
-                <a16:creationId xmlns:a16="http://schemas.microsoft.com/office/drawing/2014/main" id="{BEF99E27-CF21-027C-6D3A-7DFDA731FDF1}"/>
+                <a16:creationId xmlns:a16="http://schemas.microsoft.com/office/drawing/2014/main" xmlns="" id="{BEF99E27-CF21-027C-6D3A-7DFDA731FDF1}"/>
               </a:ext>
             </a:extLst>
           </p:cNvPr>
@@ -1859,7 +1864,7 @@
           <p:cNvPr id="9" name="슬라이드 번호 개체 틀 8">
             <a:extLst>
               <a:ext uri="{FF2B5EF4-FFF2-40B4-BE49-F238E27FC236}">
-                <a16:creationId xmlns:a16="http://schemas.microsoft.com/office/drawing/2014/main" id="{72CF4214-7558-6DA0-A499-9AFCAE33E96C}"/>
+                <a16:creationId xmlns:a16="http://schemas.microsoft.com/office/drawing/2014/main" xmlns="" id="{72CF4214-7558-6DA0-A499-9AFCAE33E96C}"/>
               </a:ext>
             </a:extLst>
           </p:cNvPr>
@@ -1918,7 +1923,7 @@
           <p:cNvPr id="2" name="제목 1">
             <a:extLst>
               <a:ext uri="{FF2B5EF4-FFF2-40B4-BE49-F238E27FC236}">
-                <a16:creationId xmlns:a16="http://schemas.microsoft.com/office/drawing/2014/main" id="{BE88280E-F7FD-9286-AB97-9A6604602EB0}"/>
+                <a16:creationId xmlns:a16="http://schemas.microsoft.com/office/drawing/2014/main" xmlns="" id="{BE88280E-F7FD-9286-AB97-9A6604602EB0}"/>
               </a:ext>
             </a:extLst>
           </p:cNvPr>
@@ -1946,7 +1951,7 @@
           <p:cNvPr id="3" name="날짜 개체 틀 2">
             <a:extLst>
               <a:ext uri="{FF2B5EF4-FFF2-40B4-BE49-F238E27FC236}">
-                <a16:creationId xmlns:a16="http://schemas.microsoft.com/office/drawing/2014/main" id="{9B94DDF1-C764-1209-7051-69FBABE0CDC2}"/>
+                <a16:creationId xmlns:a16="http://schemas.microsoft.com/office/drawing/2014/main" xmlns="" id="{9B94DDF1-C764-1209-7051-69FBABE0CDC2}"/>
               </a:ext>
             </a:extLst>
           </p:cNvPr>
@@ -1964,7 +1969,7 @@
           <a:p>
             <a:fld id="{28FED278-4908-4B8B-A6E4-86D3679FD87F}" type="datetimeFigureOut">
               <a:rPr lang="ko-KR" altLang="en-US" smtClean="0"/>
-              <a:t>2024-10-27</a:t>
+              <a:t>2024-10-29</a:t>
             </a:fld>
             <a:endParaRPr lang="ko-KR" altLang="en-US"/>
           </a:p>
@@ -1975,7 +1980,7 @@
           <p:cNvPr id="4" name="바닥글 개체 틀 3">
             <a:extLst>
               <a:ext uri="{FF2B5EF4-FFF2-40B4-BE49-F238E27FC236}">
-                <a16:creationId xmlns:a16="http://schemas.microsoft.com/office/drawing/2014/main" id="{27D97002-A174-3756-8B18-D3EBEA1B609A}"/>
+                <a16:creationId xmlns:a16="http://schemas.microsoft.com/office/drawing/2014/main" xmlns="" id="{27D97002-A174-3756-8B18-D3EBEA1B609A}"/>
               </a:ext>
             </a:extLst>
           </p:cNvPr>
@@ -2000,7 +2005,7 @@
           <p:cNvPr id="5" name="슬라이드 번호 개체 틀 4">
             <a:extLst>
               <a:ext uri="{FF2B5EF4-FFF2-40B4-BE49-F238E27FC236}">
-                <a16:creationId xmlns:a16="http://schemas.microsoft.com/office/drawing/2014/main" id="{C77A83D2-FC06-AC02-3B61-3E30ADEC6540}"/>
+                <a16:creationId xmlns:a16="http://schemas.microsoft.com/office/drawing/2014/main" xmlns="" id="{C77A83D2-FC06-AC02-3B61-3E30ADEC6540}"/>
               </a:ext>
             </a:extLst>
           </p:cNvPr>
@@ -2059,7 +2064,7 @@
           <p:cNvPr id="2" name="날짜 개체 틀 1">
             <a:extLst>
               <a:ext uri="{FF2B5EF4-FFF2-40B4-BE49-F238E27FC236}">
-                <a16:creationId xmlns:a16="http://schemas.microsoft.com/office/drawing/2014/main" id="{7DB2A978-CA19-CE4A-86B4-A0B6CB7C622B}"/>
+                <a16:creationId xmlns:a16="http://schemas.microsoft.com/office/drawing/2014/main" xmlns="" id="{7DB2A978-CA19-CE4A-86B4-A0B6CB7C622B}"/>
               </a:ext>
             </a:extLst>
           </p:cNvPr>
@@ -2077,7 +2082,7 @@
           <a:p>
             <a:fld id="{28FED278-4908-4B8B-A6E4-86D3679FD87F}" type="datetimeFigureOut">
               <a:rPr lang="ko-KR" altLang="en-US" smtClean="0"/>
-              <a:t>2024-10-27</a:t>
+              <a:t>2024-10-29</a:t>
             </a:fld>
             <a:endParaRPr lang="ko-KR" altLang="en-US"/>
           </a:p>
@@ -2088,7 +2093,7 @@
           <p:cNvPr id="3" name="바닥글 개체 틀 2">
             <a:extLst>
               <a:ext uri="{FF2B5EF4-FFF2-40B4-BE49-F238E27FC236}">
-                <a16:creationId xmlns:a16="http://schemas.microsoft.com/office/drawing/2014/main" id="{E844CD82-88E8-1EA4-63A5-2DB080357A6B}"/>
+                <a16:creationId xmlns:a16="http://schemas.microsoft.com/office/drawing/2014/main" xmlns="" id="{E844CD82-88E8-1EA4-63A5-2DB080357A6B}"/>
               </a:ext>
             </a:extLst>
           </p:cNvPr>
@@ -2113,7 +2118,7 @@
           <p:cNvPr id="4" name="슬라이드 번호 개체 틀 3">
             <a:extLst>
               <a:ext uri="{FF2B5EF4-FFF2-40B4-BE49-F238E27FC236}">
-                <a16:creationId xmlns:a16="http://schemas.microsoft.com/office/drawing/2014/main" id="{24CC2AFC-89A8-13B2-FD97-A1EB3FC2B072}"/>
+                <a16:creationId xmlns:a16="http://schemas.microsoft.com/office/drawing/2014/main" xmlns="" id="{24CC2AFC-89A8-13B2-FD97-A1EB3FC2B072}"/>
               </a:ext>
             </a:extLst>
           </p:cNvPr>
@@ -2172,7 +2177,7 @@
           <p:cNvPr id="2" name="제목 1">
             <a:extLst>
               <a:ext uri="{FF2B5EF4-FFF2-40B4-BE49-F238E27FC236}">
-                <a16:creationId xmlns:a16="http://schemas.microsoft.com/office/drawing/2014/main" id="{840A60DF-7F86-1E03-8474-9769DFD3192D}"/>
+                <a16:creationId xmlns:a16="http://schemas.microsoft.com/office/drawing/2014/main" xmlns="" id="{840A60DF-7F86-1E03-8474-9769DFD3192D}"/>
               </a:ext>
             </a:extLst>
           </p:cNvPr>
@@ -2209,7 +2214,7 @@
           <p:cNvPr id="3" name="내용 개체 틀 2">
             <a:extLst>
               <a:ext uri="{FF2B5EF4-FFF2-40B4-BE49-F238E27FC236}">
-                <a16:creationId xmlns:a16="http://schemas.microsoft.com/office/drawing/2014/main" id="{EA818264-2663-98E5-8F00-E7FAB7BAE1A8}"/>
+                <a16:creationId xmlns:a16="http://schemas.microsoft.com/office/drawing/2014/main" xmlns="" id="{EA818264-2663-98E5-8F00-E7FAB7BAE1A8}"/>
               </a:ext>
             </a:extLst>
           </p:cNvPr>
@@ -2299,7 +2304,7 @@
           <p:cNvPr id="4" name="텍스트 개체 틀 3">
             <a:extLst>
               <a:ext uri="{FF2B5EF4-FFF2-40B4-BE49-F238E27FC236}">
-                <a16:creationId xmlns:a16="http://schemas.microsoft.com/office/drawing/2014/main" id="{9BFC510D-5B89-EDFA-9F2D-F594EAA9C0A9}"/>
+                <a16:creationId xmlns:a16="http://schemas.microsoft.com/office/drawing/2014/main" xmlns="" id="{9BFC510D-5B89-EDFA-9F2D-F594EAA9C0A9}"/>
               </a:ext>
             </a:extLst>
           </p:cNvPr>
@@ -2370,7 +2375,7 @@
           <p:cNvPr id="5" name="날짜 개체 틀 4">
             <a:extLst>
               <a:ext uri="{FF2B5EF4-FFF2-40B4-BE49-F238E27FC236}">
-                <a16:creationId xmlns:a16="http://schemas.microsoft.com/office/drawing/2014/main" id="{440EF15F-06F7-5B88-1593-5D90E40C5466}"/>
+                <a16:creationId xmlns:a16="http://schemas.microsoft.com/office/drawing/2014/main" xmlns="" id="{440EF15F-06F7-5B88-1593-5D90E40C5466}"/>
               </a:ext>
             </a:extLst>
           </p:cNvPr>
@@ -2388,7 +2393,7 @@
           <a:p>
             <a:fld id="{28FED278-4908-4B8B-A6E4-86D3679FD87F}" type="datetimeFigureOut">
               <a:rPr lang="ko-KR" altLang="en-US" smtClean="0"/>
-              <a:t>2024-10-27</a:t>
+              <a:t>2024-10-29</a:t>
             </a:fld>
             <a:endParaRPr lang="ko-KR" altLang="en-US"/>
           </a:p>
@@ -2399,7 +2404,7 @@
           <p:cNvPr id="6" name="바닥글 개체 틀 5">
             <a:extLst>
               <a:ext uri="{FF2B5EF4-FFF2-40B4-BE49-F238E27FC236}">
-                <a16:creationId xmlns:a16="http://schemas.microsoft.com/office/drawing/2014/main" id="{4DCDB1E0-2CC2-66ED-A3C5-30E8EB60C1E6}"/>
+                <a16:creationId xmlns:a16="http://schemas.microsoft.com/office/drawing/2014/main" xmlns="" id="{4DCDB1E0-2CC2-66ED-A3C5-30E8EB60C1E6}"/>
               </a:ext>
             </a:extLst>
           </p:cNvPr>
@@ -2424,7 +2429,7 @@
           <p:cNvPr id="7" name="슬라이드 번호 개체 틀 6">
             <a:extLst>
               <a:ext uri="{FF2B5EF4-FFF2-40B4-BE49-F238E27FC236}">
-                <a16:creationId xmlns:a16="http://schemas.microsoft.com/office/drawing/2014/main" id="{F35302E1-BA1B-90BD-6214-13EED1DB916D}"/>
+                <a16:creationId xmlns:a16="http://schemas.microsoft.com/office/drawing/2014/main" xmlns="" id="{F35302E1-BA1B-90BD-6214-13EED1DB916D}"/>
               </a:ext>
             </a:extLst>
           </p:cNvPr>
@@ -2483,7 +2488,7 @@
           <p:cNvPr id="2" name="제목 1">
             <a:extLst>
               <a:ext uri="{FF2B5EF4-FFF2-40B4-BE49-F238E27FC236}">
-                <a16:creationId xmlns:a16="http://schemas.microsoft.com/office/drawing/2014/main" id="{95C64DF6-40CB-139B-EB63-03CD64490028}"/>
+                <a16:creationId xmlns:a16="http://schemas.microsoft.com/office/drawing/2014/main" xmlns="" id="{95C64DF6-40CB-139B-EB63-03CD64490028}"/>
               </a:ext>
             </a:extLst>
           </p:cNvPr>
@@ -2520,7 +2525,7 @@
           <p:cNvPr id="3" name="그림 개체 틀 2">
             <a:extLst>
               <a:ext uri="{FF2B5EF4-FFF2-40B4-BE49-F238E27FC236}">
-                <a16:creationId xmlns:a16="http://schemas.microsoft.com/office/drawing/2014/main" id="{691D9DFA-B31B-5830-5E85-35B4FBD8B78D}"/>
+                <a16:creationId xmlns:a16="http://schemas.microsoft.com/office/drawing/2014/main" xmlns="" id="{691D9DFA-B31B-5830-5E85-35B4FBD8B78D}"/>
               </a:ext>
             </a:extLst>
           </p:cNvPr>
@@ -2587,7 +2592,7 @@
           <p:cNvPr id="4" name="텍스트 개체 틀 3">
             <a:extLst>
               <a:ext uri="{FF2B5EF4-FFF2-40B4-BE49-F238E27FC236}">
-                <a16:creationId xmlns:a16="http://schemas.microsoft.com/office/drawing/2014/main" id="{886A15E7-682A-93C9-88B9-4FEE60454FCF}"/>
+                <a16:creationId xmlns:a16="http://schemas.microsoft.com/office/drawing/2014/main" xmlns="" id="{886A15E7-682A-93C9-88B9-4FEE60454FCF}"/>
               </a:ext>
             </a:extLst>
           </p:cNvPr>
@@ -2658,7 +2663,7 @@
           <p:cNvPr id="5" name="날짜 개체 틀 4">
             <a:extLst>
               <a:ext uri="{FF2B5EF4-FFF2-40B4-BE49-F238E27FC236}">
-                <a16:creationId xmlns:a16="http://schemas.microsoft.com/office/drawing/2014/main" id="{76B5025B-D412-1B50-F6F8-82DF488400BE}"/>
+                <a16:creationId xmlns:a16="http://schemas.microsoft.com/office/drawing/2014/main" xmlns="" id="{76B5025B-D412-1B50-F6F8-82DF488400BE}"/>
               </a:ext>
             </a:extLst>
           </p:cNvPr>
@@ -2676,7 +2681,7 @@
           <a:p>
             <a:fld id="{28FED278-4908-4B8B-A6E4-86D3679FD87F}" type="datetimeFigureOut">
               <a:rPr lang="ko-KR" altLang="en-US" smtClean="0"/>
-              <a:t>2024-10-27</a:t>
+              <a:t>2024-10-29</a:t>
             </a:fld>
             <a:endParaRPr lang="ko-KR" altLang="en-US"/>
           </a:p>
@@ -2687,7 +2692,7 @@
           <p:cNvPr id="6" name="바닥글 개체 틀 5">
             <a:extLst>
               <a:ext uri="{FF2B5EF4-FFF2-40B4-BE49-F238E27FC236}">
-                <a16:creationId xmlns:a16="http://schemas.microsoft.com/office/drawing/2014/main" id="{D644AC41-D8F7-05F6-4642-389EBA0F3BB9}"/>
+                <a16:creationId xmlns:a16="http://schemas.microsoft.com/office/drawing/2014/main" xmlns="" id="{D644AC41-D8F7-05F6-4642-389EBA0F3BB9}"/>
               </a:ext>
             </a:extLst>
           </p:cNvPr>
@@ -2712,7 +2717,7 @@
           <p:cNvPr id="7" name="슬라이드 번호 개체 틀 6">
             <a:extLst>
               <a:ext uri="{FF2B5EF4-FFF2-40B4-BE49-F238E27FC236}">
-                <a16:creationId xmlns:a16="http://schemas.microsoft.com/office/drawing/2014/main" id="{3F983432-0CC6-EE82-B461-3F1E0709F7AB}"/>
+                <a16:creationId xmlns:a16="http://schemas.microsoft.com/office/drawing/2014/main" xmlns="" id="{3F983432-0CC6-EE82-B461-3F1E0709F7AB}"/>
               </a:ext>
             </a:extLst>
           </p:cNvPr>
@@ -2776,7 +2781,7 @@
           <p:cNvPr id="2" name="제목 개체 틀 1">
             <a:extLst>
               <a:ext uri="{FF2B5EF4-FFF2-40B4-BE49-F238E27FC236}">
-                <a16:creationId xmlns:a16="http://schemas.microsoft.com/office/drawing/2014/main" id="{BCA92AB7-C52D-6DCC-B282-F087BC0BA328}"/>
+                <a16:creationId xmlns:a16="http://schemas.microsoft.com/office/drawing/2014/main" xmlns="" id="{BCA92AB7-C52D-6DCC-B282-F087BC0BA328}"/>
               </a:ext>
             </a:extLst>
           </p:cNvPr>
@@ -2814,7 +2819,7 @@
           <p:cNvPr id="3" name="텍스트 개체 틀 2">
             <a:extLst>
               <a:ext uri="{FF2B5EF4-FFF2-40B4-BE49-F238E27FC236}">
-                <a16:creationId xmlns:a16="http://schemas.microsoft.com/office/drawing/2014/main" id="{809DA8AF-3330-AB44-7287-C701A7DEF1A7}"/>
+                <a16:creationId xmlns:a16="http://schemas.microsoft.com/office/drawing/2014/main" xmlns="" id="{809DA8AF-3330-AB44-7287-C701A7DEF1A7}"/>
               </a:ext>
             </a:extLst>
           </p:cNvPr>
@@ -2881,7 +2886,7 @@
           <p:cNvPr id="4" name="날짜 개체 틀 3">
             <a:extLst>
               <a:ext uri="{FF2B5EF4-FFF2-40B4-BE49-F238E27FC236}">
-                <a16:creationId xmlns:a16="http://schemas.microsoft.com/office/drawing/2014/main" id="{58AF63D4-F33A-A7B8-1F31-700130FA96DA}"/>
+                <a16:creationId xmlns:a16="http://schemas.microsoft.com/office/drawing/2014/main" xmlns="" id="{58AF63D4-F33A-A7B8-1F31-700130FA96DA}"/>
               </a:ext>
             </a:extLst>
           </p:cNvPr>
@@ -2917,7 +2922,7 @@
           <a:p>
             <a:fld id="{28FED278-4908-4B8B-A6E4-86D3679FD87F}" type="datetimeFigureOut">
               <a:rPr lang="ko-KR" altLang="en-US" smtClean="0"/>
-              <a:t>2024-10-27</a:t>
+              <a:t>2024-10-29</a:t>
             </a:fld>
             <a:endParaRPr lang="ko-KR" altLang="en-US"/>
           </a:p>
@@ -2928,7 +2933,7 @@
           <p:cNvPr id="5" name="바닥글 개체 틀 4">
             <a:extLst>
               <a:ext uri="{FF2B5EF4-FFF2-40B4-BE49-F238E27FC236}">
-                <a16:creationId xmlns:a16="http://schemas.microsoft.com/office/drawing/2014/main" id="{CC78360D-73B9-ECCB-84D8-78E99051FB7F}"/>
+                <a16:creationId xmlns:a16="http://schemas.microsoft.com/office/drawing/2014/main" xmlns="" id="{CC78360D-73B9-ECCB-84D8-78E99051FB7F}"/>
               </a:ext>
             </a:extLst>
           </p:cNvPr>
@@ -2971,7 +2976,7 @@
           <p:cNvPr id="6" name="슬라이드 번호 개체 틀 5">
             <a:extLst>
               <a:ext uri="{FF2B5EF4-FFF2-40B4-BE49-F238E27FC236}">
-                <a16:creationId xmlns:a16="http://schemas.microsoft.com/office/drawing/2014/main" id="{03EC5EE4-122E-D8F8-2F77-16A3005CB66F}"/>
+                <a16:creationId xmlns:a16="http://schemas.microsoft.com/office/drawing/2014/main" xmlns="" id="{03EC5EE4-122E-D8F8-2F77-16A3005CB66F}"/>
               </a:ext>
             </a:extLst>
           </p:cNvPr>
@@ -3339,7 +3344,7 @@
           <p:cNvPr id="2" name="제목 1">
             <a:extLst>
               <a:ext uri="{FF2B5EF4-FFF2-40B4-BE49-F238E27FC236}">
-                <a16:creationId xmlns:a16="http://schemas.microsoft.com/office/drawing/2014/main" id="{5E5EBC91-BFC6-ADEC-44CE-DA039F22E6D6}"/>
+                <a16:creationId xmlns:a16="http://schemas.microsoft.com/office/drawing/2014/main" xmlns="" id="{5E5EBC91-BFC6-ADEC-44CE-DA039F22E6D6}"/>
               </a:ext>
             </a:extLst>
           </p:cNvPr>
@@ -3384,7 +3389,7 @@
           <p:cNvPr id="3" name="부제목 2">
             <a:extLst>
               <a:ext uri="{FF2B5EF4-FFF2-40B4-BE49-F238E27FC236}">
-                <a16:creationId xmlns:a16="http://schemas.microsoft.com/office/drawing/2014/main" id="{F30ACF6B-9904-3C56-8F8D-F3726004BEA1}"/>
+                <a16:creationId xmlns:a16="http://schemas.microsoft.com/office/drawing/2014/main" xmlns="" id="{F30ACF6B-9904-3C56-8F8D-F3726004BEA1}"/>
               </a:ext>
             </a:extLst>
           </p:cNvPr>
@@ -3442,6 +3447,1655 @@
     <p:extLst>
       <p:ext uri="{BB962C8B-B14F-4D97-AF65-F5344CB8AC3E}">
         <p14:creationId xmlns:p14="http://schemas.microsoft.com/office/powerpoint/2010/main" val="2941616651"/>
+      </p:ext>
+    </p:extLst>
+  </p:cSld>
+  <p:clrMapOvr>
+    <a:masterClrMapping/>
+  </p:clrMapOvr>
+</p:sld>
+</file>
+
+<file path=ppt/slides/slide10.xml><?xml version="1.0" encoding="utf-8"?>
+<p:sld xmlns:a="http://schemas.openxmlformats.org/drawingml/2006/main" xmlns:r="http://schemas.openxmlformats.org/officeDocument/2006/relationships" xmlns:p="http://schemas.openxmlformats.org/presentationml/2006/main">
+  <p:cSld>
+    <p:spTree>
+      <p:nvGrpSpPr>
+        <p:cNvPr id="1" name="">
+          <a:extLst>
+            <a:ext uri="{FF2B5EF4-FFF2-40B4-BE49-F238E27FC236}">
+              <a16:creationId xmlns:a16="http://schemas.microsoft.com/office/drawing/2014/main" xmlns="" id="{9C004FA6-3990-54C7-789D-4777311E7890}"/>
+            </a:ext>
+          </a:extLst>
+        </p:cNvPr>
+        <p:cNvGrpSpPr/>
+        <p:nvPr/>
+      </p:nvGrpSpPr>
+      <p:grpSpPr>
+        <a:xfrm>
+          <a:off x="0" y="0"/>
+          <a:ext cx="0" cy="0"/>
+          <a:chOff x="0" y="0"/>
+          <a:chExt cx="0" cy="0"/>
+        </a:xfrm>
+      </p:grpSpPr>
+      <p:sp>
+        <p:nvSpPr>
+          <p:cNvPr id="2" name="제목 1">
+            <a:extLst>
+              <a:ext uri="{FF2B5EF4-FFF2-40B4-BE49-F238E27FC236}">
+                <a16:creationId xmlns:a16="http://schemas.microsoft.com/office/drawing/2014/main" xmlns="" id="{4DB91AEA-C161-9F8E-0029-24F8ECD6DC7D}"/>
+              </a:ext>
+            </a:extLst>
+          </p:cNvPr>
+          <p:cNvSpPr>
+            <a:spLocks noGrp="1"/>
+          </p:cNvSpPr>
+          <p:nvPr>
+            <p:ph type="title"/>
+          </p:nvPr>
+        </p:nvSpPr>
+        <p:spPr>
+          <a:xfrm>
+            <a:off x="838200" y="365125"/>
+            <a:ext cx="9555178" cy="748451"/>
+          </a:xfrm>
+        </p:spPr>
+        <p:txBody>
+          <a:bodyPr>
+            <a:normAutofit/>
+          </a:bodyPr>
+          <a:lstStyle/>
+          <a:p>
+            <a:r>
+              <a:rPr lang="en-US" altLang="ko-KR" sz="3600" dirty="0"/>
+              <a:t>7</a:t>
+            </a:r>
+            <a:r>
+              <a:rPr lang="en-US" altLang="ko-KR" sz="3600" dirty="0" smtClean="0"/>
+              <a:t>.</a:t>
+            </a:r>
+            <a:r>
+              <a:rPr lang="ko-KR" altLang="en-US" sz="3600" dirty="0" smtClean="0"/>
+              <a:t> 검사종료 및 최종 기록 저장</a:t>
+            </a:r>
+            <a:endParaRPr lang="ko-KR" altLang="en-US" sz="3600" dirty="0"/>
+          </a:p>
+        </p:txBody>
+      </p:sp>
+      <p:sp>
+        <p:nvSpPr>
+          <p:cNvPr id="3" name="내용 개체 틀 2">
+            <a:extLst>
+              <a:ext uri="{FF2B5EF4-FFF2-40B4-BE49-F238E27FC236}">
+                <a16:creationId xmlns:a16="http://schemas.microsoft.com/office/drawing/2014/main" xmlns="" id="{9860A25B-5AF8-A370-C026-54F42D2EFC5E}"/>
+              </a:ext>
+            </a:extLst>
+          </p:cNvPr>
+          <p:cNvSpPr>
+            <a:spLocks noGrp="1"/>
+          </p:cNvSpPr>
+          <p:nvPr>
+            <p:ph idx="1"/>
+          </p:nvPr>
+        </p:nvSpPr>
+        <p:spPr>
+          <a:xfrm>
+            <a:off x="838200" y="1837853"/>
+            <a:ext cx="10515600" cy="4339110"/>
+          </a:xfrm>
+        </p:spPr>
+        <p:txBody>
+          <a:bodyPr>
+            <a:normAutofit/>
+          </a:bodyPr>
+          <a:lstStyle/>
+          <a:p>
+            <a:r>
+              <a:rPr lang="en-US" altLang="ko-KR" sz="2000" dirty="0"/>
+              <a:t>Lambda, RDS, </a:t>
+            </a:r>
+            <a:r>
+              <a:rPr lang="en-US" altLang="ko-KR" sz="2000" dirty="0" err="1" smtClean="0"/>
+              <a:t>QuickSight</a:t>
+            </a:r>
+            <a:endParaRPr lang="en-US" altLang="ko-KR" sz="2000" dirty="0" smtClean="0"/>
+          </a:p>
+          <a:p>
+            <a:r>
+              <a:rPr lang="ko-KR" altLang="en-US" sz="2000" dirty="0"/>
+              <a:t>검사가 종료되면 </a:t>
+            </a:r>
+            <a:r>
+              <a:rPr lang="en-US" altLang="ko-KR" sz="2000" dirty="0"/>
+              <a:t>Lambda</a:t>
+            </a:r>
+            <a:r>
+              <a:rPr lang="ko-KR" altLang="en-US" sz="2000" dirty="0"/>
+              <a:t>가 최종 결과를 </a:t>
+            </a:r>
+            <a:r>
+              <a:rPr lang="en-US" altLang="ko-KR" sz="2000" dirty="0"/>
+              <a:t>RDS</a:t>
+            </a:r>
+            <a:r>
+              <a:rPr lang="ko-KR" altLang="en-US" sz="2000" dirty="0"/>
+              <a:t>에 </a:t>
+            </a:r>
+            <a:r>
+              <a:rPr lang="ko-KR" altLang="en-US" sz="2000" dirty="0" smtClean="0"/>
+              <a:t>저장</a:t>
+            </a:r>
+            <a:endParaRPr lang="en-US" altLang="ko-KR" sz="2000" dirty="0" smtClean="0"/>
+          </a:p>
+          <a:p>
+            <a:r>
+              <a:rPr lang="en-US" altLang="ko-KR" sz="2000" dirty="0" err="1"/>
+              <a:t>QuickSight</a:t>
+            </a:r>
+            <a:r>
+              <a:rPr lang="ko-KR" altLang="en-US" sz="2000" dirty="0"/>
+              <a:t>는 이 데이터를 기반으로 학습 성과를 </a:t>
+            </a:r>
+            <a:r>
+              <a:rPr lang="ko-KR" altLang="en-US" sz="2000" dirty="0" smtClean="0"/>
+              <a:t>시각화</a:t>
+            </a:r>
+            <a:endParaRPr lang="en-US" altLang="ko-KR" sz="2000" dirty="0" smtClean="0"/>
+          </a:p>
+          <a:p>
+            <a:endParaRPr lang="en-US" altLang="ko-KR" sz="2000" dirty="0"/>
+          </a:p>
+          <a:p>
+            <a:r>
+              <a:rPr lang="ko-KR" altLang="en-US" sz="2000" b="1" dirty="0"/>
+              <a:t>결과</a:t>
+            </a:r>
+            <a:r>
+              <a:rPr lang="en-US" altLang="ko-KR" sz="2000" dirty="0"/>
+              <a:t>: </a:t>
+            </a:r>
+            <a:r>
+              <a:rPr lang="en-US" altLang="ko-KR" sz="2000" dirty="0" err="1"/>
+              <a:t>QuickSight</a:t>
+            </a:r>
+            <a:r>
+              <a:rPr lang="ko-KR" altLang="en-US" sz="2000" dirty="0"/>
+              <a:t>를 통해 학생의 학습 경향과 </a:t>
+            </a:r>
+            <a:r>
+              <a:rPr lang="en-US" altLang="ko-KR" sz="2000" dirty="0"/>
+              <a:t>θ </a:t>
+            </a:r>
+            <a:r>
+              <a:rPr lang="ko-KR" altLang="en-US" sz="2000" dirty="0"/>
+              <a:t>값 변화를 시각화</a:t>
+            </a:r>
+            <a:endParaRPr lang="en-US" altLang="ko-KR" sz="2000" dirty="0"/>
+          </a:p>
+        </p:txBody>
+      </p:sp>
+    </p:spTree>
+    <p:extLst>
+      <p:ext uri="{BB962C8B-B14F-4D97-AF65-F5344CB8AC3E}">
+        <p14:creationId xmlns:p14="http://schemas.microsoft.com/office/powerpoint/2010/main" val="3214245140"/>
+      </p:ext>
+    </p:extLst>
+  </p:cSld>
+  <p:clrMapOvr>
+    <a:masterClrMapping/>
+  </p:clrMapOvr>
+</p:sld>
+</file>
+
+<file path=ppt/slides/slide11.xml><?xml version="1.0" encoding="utf-8"?>
+<p:sld xmlns:a="http://schemas.openxmlformats.org/drawingml/2006/main" xmlns:r="http://schemas.openxmlformats.org/officeDocument/2006/relationships" xmlns:p="http://schemas.openxmlformats.org/presentationml/2006/main">
+  <p:cSld>
+    <p:spTree>
+      <p:nvGrpSpPr>
+        <p:cNvPr id="1" name="">
+          <a:extLst>
+            <a:ext uri="{FF2B5EF4-FFF2-40B4-BE49-F238E27FC236}">
+              <a16:creationId xmlns:a16="http://schemas.microsoft.com/office/drawing/2014/main" xmlns="" id="{9C004FA6-3990-54C7-789D-4777311E7890}"/>
+            </a:ext>
+          </a:extLst>
+        </p:cNvPr>
+        <p:cNvGrpSpPr/>
+        <p:nvPr/>
+      </p:nvGrpSpPr>
+      <p:grpSpPr>
+        <a:xfrm>
+          <a:off x="0" y="0"/>
+          <a:ext cx="0" cy="0"/>
+          <a:chOff x="0" y="0"/>
+          <a:chExt cx="0" cy="0"/>
+        </a:xfrm>
+      </p:grpSpPr>
+      <p:sp>
+        <p:nvSpPr>
+          <p:cNvPr id="2" name="제목 1">
+            <a:extLst>
+              <a:ext uri="{FF2B5EF4-FFF2-40B4-BE49-F238E27FC236}">
+                <a16:creationId xmlns:a16="http://schemas.microsoft.com/office/drawing/2014/main" xmlns="" id="{4DB91AEA-C161-9F8E-0029-24F8ECD6DC7D}"/>
+              </a:ext>
+            </a:extLst>
+          </p:cNvPr>
+          <p:cNvSpPr>
+            <a:spLocks noGrp="1"/>
+          </p:cNvSpPr>
+          <p:nvPr>
+            <p:ph type="title"/>
+          </p:nvPr>
+        </p:nvSpPr>
+        <p:spPr>
+          <a:xfrm>
+            <a:off x="838200" y="365125"/>
+            <a:ext cx="9555178" cy="748451"/>
+          </a:xfrm>
+        </p:spPr>
+        <p:txBody>
+          <a:bodyPr>
+            <a:normAutofit fontScale="90000"/>
+          </a:bodyPr>
+          <a:lstStyle/>
+          <a:p>
+            <a:r>
+              <a:rPr lang="en-US" altLang="ko-KR" sz="3600" dirty="0"/>
+              <a:t>8</a:t>
+            </a:r>
+            <a:r>
+              <a:rPr lang="en-US" altLang="ko-KR" sz="3600" dirty="0" smtClean="0"/>
+              <a:t>.</a:t>
+            </a:r>
+            <a:r>
+              <a:rPr lang="ko-KR" altLang="en-US" sz="3600" dirty="0" smtClean="0"/>
+              <a:t> </a:t>
+            </a:r>
+            <a:r>
+              <a:rPr lang="en-US" altLang="ko-KR" sz="3600" dirty="0" err="1"/>
+              <a:t>QuickSight</a:t>
+            </a:r>
+            <a:r>
+              <a:rPr lang="ko-KR" altLang="en-US" sz="3600" dirty="0"/>
+              <a:t>는 이 데이터를 기반으로 학습 성과를 시각화</a:t>
+            </a:r>
+            <a:endParaRPr lang="ko-KR" altLang="en-US" sz="3600" dirty="0"/>
+          </a:p>
+        </p:txBody>
+      </p:sp>
+      <p:sp>
+        <p:nvSpPr>
+          <p:cNvPr id="3" name="내용 개체 틀 2">
+            <a:extLst>
+              <a:ext uri="{FF2B5EF4-FFF2-40B4-BE49-F238E27FC236}">
+                <a16:creationId xmlns:a16="http://schemas.microsoft.com/office/drawing/2014/main" xmlns="" id="{9860A25B-5AF8-A370-C026-54F42D2EFC5E}"/>
+              </a:ext>
+            </a:extLst>
+          </p:cNvPr>
+          <p:cNvSpPr>
+            <a:spLocks noGrp="1"/>
+          </p:cNvSpPr>
+          <p:nvPr>
+            <p:ph idx="1"/>
+          </p:nvPr>
+        </p:nvSpPr>
+        <p:spPr>
+          <a:xfrm>
+            <a:off x="838200" y="1837853"/>
+            <a:ext cx="10515600" cy="4339110"/>
+          </a:xfrm>
+        </p:spPr>
+        <p:txBody>
+          <a:bodyPr>
+            <a:normAutofit/>
+          </a:bodyPr>
+          <a:lstStyle/>
+          <a:p>
+            <a:r>
+              <a:rPr lang="en-US" altLang="ko-KR" sz="2000" dirty="0"/>
+              <a:t>EC2, S3, </a:t>
+            </a:r>
+            <a:r>
+              <a:rPr lang="en-US" altLang="ko-KR" sz="2000" dirty="0" err="1"/>
+              <a:t>SageMaker</a:t>
+            </a:r>
+            <a:r>
+              <a:rPr lang="en-US" altLang="ko-KR" sz="2000" dirty="0"/>
+              <a:t>, VPC </a:t>
+            </a:r>
+            <a:r>
+              <a:rPr lang="en-US" altLang="ko-KR" sz="2000" dirty="0" smtClean="0"/>
+              <a:t>Endpoint</a:t>
+            </a:r>
+          </a:p>
+          <a:p>
+            <a:r>
+              <a:rPr lang="en-US" altLang="ko-KR" sz="2000" dirty="0"/>
+              <a:t>EC2</a:t>
+            </a:r>
+            <a:r>
+              <a:rPr lang="ko-KR" altLang="en-US" sz="2000" dirty="0"/>
+              <a:t>는 모델 훈련과 데이터 </a:t>
+            </a:r>
+            <a:r>
+              <a:rPr lang="ko-KR" altLang="en-US" sz="2000" dirty="0" err="1"/>
+              <a:t>전처리를</a:t>
+            </a:r>
+            <a:r>
+              <a:rPr lang="ko-KR" altLang="en-US" sz="2000" dirty="0"/>
+              <a:t> </a:t>
+            </a:r>
+            <a:r>
+              <a:rPr lang="ko-KR" altLang="en-US" sz="2000" dirty="0" smtClean="0"/>
+              <a:t>수행</a:t>
+            </a:r>
+            <a:endParaRPr lang="en-US" altLang="ko-KR" sz="2000" dirty="0" smtClean="0"/>
+          </a:p>
+          <a:p>
+            <a:r>
+              <a:rPr lang="en-US" altLang="ko-KR" sz="2000" dirty="0"/>
+              <a:t>S3</a:t>
+            </a:r>
+            <a:r>
+              <a:rPr lang="ko-KR" altLang="en-US" sz="2000" dirty="0"/>
+              <a:t>에 저장된 최신 데이터가 </a:t>
+            </a:r>
+            <a:r>
+              <a:rPr lang="en-US" altLang="ko-KR" sz="2000" dirty="0"/>
+              <a:t>EC2</a:t>
+            </a:r>
+            <a:r>
+              <a:rPr lang="ko-KR" altLang="en-US" sz="2000" dirty="0"/>
+              <a:t>로 전송되면</a:t>
+            </a:r>
+            <a:r>
+              <a:rPr lang="en-US" altLang="ko-KR" sz="2000" dirty="0"/>
+              <a:t>, EC2</a:t>
+            </a:r>
+            <a:r>
+              <a:rPr lang="ko-KR" altLang="en-US" sz="2000" dirty="0"/>
+              <a:t>는 데이터를 </a:t>
+            </a:r>
+            <a:r>
+              <a:rPr lang="en-US" altLang="ko-KR" sz="2000" dirty="0" err="1"/>
+              <a:t>SageMaker</a:t>
+            </a:r>
+            <a:r>
+              <a:rPr lang="ko-KR" altLang="en-US" sz="2000" dirty="0"/>
+              <a:t>로 전송하여 모델 훈련을 </a:t>
+            </a:r>
+            <a:r>
+              <a:rPr lang="ko-KR" altLang="en-US" sz="2000" dirty="0" smtClean="0"/>
+              <a:t>시작</a:t>
+            </a:r>
+            <a:endParaRPr lang="en-US" altLang="ko-KR" sz="2000" dirty="0" smtClean="0"/>
+          </a:p>
+          <a:p>
+            <a:r>
+              <a:rPr lang="ko-KR" altLang="en-US" sz="2000" dirty="0"/>
+              <a:t>훈련이 완료되면 </a:t>
+            </a:r>
+            <a:r>
+              <a:rPr lang="en-US" altLang="ko-KR" sz="2000" dirty="0" err="1"/>
+              <a:t>SageMaker</a:t>
+            </a:r>
+            <a:r>
+              <a:rPr lang="ko-KR" altLang="en-US" sz="2000" dirty="0"/>
+              <a:t>는 훈련된 모델을 </a:t>
+            </a:r>
+            <a:r>
+              <a:rPr lang="en-US" altLang="ko-KR" sz="2000" dirty="0"/>
+              <a:t>S3</a:t>
+            </a:r>
+            <a:r>
+              <a:rPr lang="ko-KR" altLang="en-US" sz="2000" dirty="0"/>
+              <a:t>에 저장하고</a:t>
+            </a:r>
+            <a:r>
+              <a:rPr lang="en-US" altLang="ko-KR" sz="2000" dirty="0"/>
+              <a:t>, </a:t>
+            </a:r>
+            <a:r>
+              <a:rPr lang="ko-KR" altLang="en-US" sz="2000" dirty="0"/>
+              <a:t>필요 시 </a:t>
+            </a:r>
+            <a:r>
+              <a:rPr lang="en-US" altLang="ko-KR" sz="2000" dirty="0" err="1"/>
+              <a:t>SageMaker</a:t>
+            </a:r>
+            <a:r>
+              <a:rPr lang="en-US" altLang="ko-KR" sz="2000" dirty="0"/>
+              <a:t> Endpoint</a:t>
+            </a:r>
+            <a:r>
+              <a:rPr lang="ko-KR" altLang="en-US" sz="2000" dirty="0"/>
+              <a:t>에 배포하여 실시간 추론에 </a:t>
+            </a:r>
+            <a:r>
+              <a:rPr lang="ko-KR" altLang="en-US" sz="2000" dirty="0" smtClean="0"/>
+              <a:t>활용</a:t>
+            </a:r>
+            <a:endParaRPr lang="en-US" altLang="ko-KR" sz="2000" dirty="0" smtClean="0"/>
+          </a:p>
+          <a:p>
+            <a:endParaRPr lang="en-US" altLang="ko-KR" sz="2000" dirty="0"/>
+          </a:p>
+          <a:p>
+            <a:r>
+              <a:rPr lang="ko-KR" altLang="en-US" sz="2000" b="1" dirty="0"/>
+              <a:t>결과</a:t>
+            </a:r>
+            <a:r>
+              <a:rPr lang="en-US" altLang="ko-KR" sz="2000" dirty="0"/>
+              <a:t>: </a:t>
+            </a:r>
+            <a:r>
+              <a:rPr lang="ko-KR" altLang="en-US" sz="2000" dirty="0"/>
+              <a:t>새 모델이 </a:t>
+            </a:r>
+            <a:r>
+              <a:rPr lang="en-US" altLang="ko-KR" sz="2000" dirty="0" err="1"/>
+              <a:t>SageMaker</a:t>
+            </a:r>
+            <a:r>
+              <a:rPr lang="en-US" altLang="ko-KR" sz="2000" dirty="0"/>
+              <a:t> Endpoint</a:t>
+            </a:r>
+            <a:r>
+              <a:rPr lang="ko-KR" altLang="en-US" sz="2000" dirty="0"/>
+              <a:t>에 업데이트되어 이후의 추론에 사용</a:t>
+            </a:r>
+            <a:endParaRPr lang="en-US" altLang="ko-KR" sz="2000" dirty="0"/>
+          </a:p>
+        </p:txBody>
+      </p:sp>
+    </p:spTree>
+    <p:extLst>
+      <p:ext uri="{BB962C8B-B14F-4D97-AF65-F5344CB8AC3E}">
+        <p14:creationId xmlns:p14="http://schemas.microsoft.com/office/powerpoint/2010/main" val="3214245140"/>
+      </p:ext>
+    </p:extLst>
+  </p:cSld>
+  <p:clrMapOvr>
+    <a:masterClrMapping/>
+  </p:clrMapOvr>
+</p:sld>
+</file>
+
+<file path=ppt/slides/slide12.xml><?xml version="1.0" encoding="utf-8"?>
+<p:sld xmlns:a="http://schemas.openxmlformats.org/drawingml/2006/main" xmlns:r="http://schemas.openxmlformats.org/officeDocument/2006/relationships" xmlns:p="http://schemas.openxmlformats.org/presentationml/2006/main">
+  <p:cSld>
+    <p:spTree>
+      <p:nvGrpSpPr>
+        <p:cNvPr id="1" name=""/>
+        <p:cNvGrpSpPr/>
+        <p:nvPr/>
+      </p:nvGrpSpPr>
+      <p:grpSpPr>
+        <a:xfrm>
+          <a:off x="0" y="0"/>
+          <a:ext cx="0" cy="0"/>
+          <a:chOff x="0" y="0"/>
+          <a:chExt cx="0" cy="0"/>
+        </a:xfrm>
+      </p:grpSpPr>
+      <p:sp>
+        <p:nvSpPr>
+          <p:cNvPr id="2" name="제목 1"/>
+          <p:cNvSpPr>
+            <a:spLocks noGrp="1"/>
+          </p:cNvSpPr>
+          <p:nvPr>
+            <p:ph type="title"/>
+          </p:nvPr>
+        </p:nvSpPr>
+        <p:spPr/>
+        <p:txBody>
+          <a:bodyPr/>
+          <a:lstStyle/>
+          <a:p>
+            <a:r>
+              <a:rPr lang="ko-KR" altLang="en-US" dirty="0" err="1" smtClean="0"/>
+              <a:t>데이터셋</a:t>
+            </a:r>
+            <a:r>
+              <a:rPr lang="ko-KR" altLang="en-US" dirty="0" smtClean="0"/>
+              <a:t> 예시 </a:t>
+            </a:r>
+            <a:r>
+              <a:rPr lang="en-US" altLang="ko-KR" dirty="0" smtClean="0"/>
+              <a:t>(</a:t>
+            </a:r>
+            <a:r>
+              <a:rPr lang="ko-KR" altLang="en-US" dirty="0" smtClean="0"/>
+              <a:t>예상</a:t>
+            </a:r>
+            <a:r>
+              <a:rPr lang="en-US" altLang="ko-KR" dirty="0" smtClean="0"/>
+              <a:t>)</a:t>
+            </a:r>
+            <a:endParaRPr lang="ko-KR" altLang="en-US" dirty="0"/>
+          </a:p>
+        </p:txBody>
+      </p:sp>
+      <p:sp>
+        <p:nvSpPr>
+          <p:cNvPr id="3" name="내용 개체 틀 2"/>
+          <p:cNvSpPr>
+            <a:spLocks noGrp="1"/>
+          </p:cNvSpPr>
+          <p:nvPr>
+            <p:ph idx="1"/>
+          </p:nvPr>
+        </p:nvSpPr>
+        <p:spPr/>
+        <p:txBody>
+          <a:bodyPr>
+            <a:normAutofit fontScale="85000" lnSpcReduction="20000"/>
+          </a:bodyPr>
+          <a:lstStyle/>
+          <a:p>
+            <a:pPr marL="0" indent="0">
+              <a:buNone/>
+            </a:pPr>
+            <a:r>
+              <a:rPr lang="en-US" altLang="ko-KR" sz="1800" dirty="0"/>
+              <a:t>{ "</a:t>
+            </a:r>
+            <a:r>
+              <a:rPr lang="en-US" altLang="ko-KR" sz="1800" dirty="0" err="1"/>
+              <a:t>question_id</a:t>
+            </a:r>
+            <a:r>
+              <a:rPr lang="en-US" altLang="ko-KR" sz="1800" dirty="0"/>
+              <a:t>": 1, </a:t>
+            </a:r>
+            <a:endParaRPr lang="en-US" altLang="ko-KR" sz="1800" dirty="0" smtClean="0"/>
+          </a:p>
+          <a:p>
+            <a:pPr marL="0" indent="0">
+              <a:buNone/>
+            </a:pPr>
+            <a:r>
+              <a:rPr lang="en-US" altLang="ko-KR" sz="1800" dirty="0" smtClean="0"/>
+              <a:t>"question": </a:t>
+            </a:r>
+            <a:r>
+              <a:rPr lang="ko-KR" altLang="en-US" sz="1800" dirty="0" smtClean="0"/>
+              <a:t>문제 정보</a:t>
+            </a:r>
+            <a:r>
+              <a:rPr lang="en-US" altLang="ko-KR" sz="1800" dirty="0" smtClean="0"/>
+              <a:t>(</a:t>
+            </a:r>
+            <a:r>
+              <a:rPr lang="ko-KR" altLang="en-US" sz="1800" dirty="0" smtClean="0"/>
+              <a:t>구체적인 문제일수도 있음</a:t>
+            </a:r>
+            <a:r>
+              <a:rPr lang="en-US" altLang="ko-KR" sz="1800" dirty="0" smtClean="0"/>
+              <a:t>), </a:t>
+            </a:r>
+          </a:p>
+          <a:p>
+            <a:pPr marL="0" indent="0">
+              <a:buNone/>
+            </a:pPr>
+            <a:r>
+              <a:rPr lang="en-US" altLang="ko-KR" sz="1800" dirty="0" smtClean="0"/>
+              <a:t>"difficulty(</a:t>
+            </a:r>
+            <a:r>
+              <a:rPr lang="ko-KR" altLang="en-US" sz="1800" dirty="0" smtClean="0"/>
+              <a:t>난이도</a:t>
+            </a:r>
+            <a:r>
+              <a:rPr lang="en-US" altLang="ko-KR" sz="1800" dirty="0" smtClean="0"/>
+              <a:t>)": </a:t>
+            </a:r>
+            <a:r>
+              <a:rPr lang="en-US" altLang="ko-KR" sz="1800" dirty="0"/>
+              <a:t>0.8, </a:t>
+            </a:r>
+            <a:endParaRPr lang="en-US" altLang="ko-KR" sz="1800" dirty="0" smtClean="0"/>
+          </a:p>
+          <a:p>
+            <a:pPr marL="0" indent="0">
+              <a:buNone/>
+            </a:pPr>
+            <a:r>
+              <a:rPr lang="en-US" altLang="ko-KR" sz="1800" dirty="0" smtClean="0"/>
+              <a:t>"discrimination(</a:t>
+            </a:r>
+            <a:r>
+              <a:rPr lang="ko-KR" altLang="en-US" sz="1800" dirty="0" smtClean="0"/>
+              <a:t>변별도</a:t>
+            </a:r>
+            <a:r>
+              <a:rPr lang="en-US" altLang="ko-KR" sz="1800" dirty="0" smtClean="0"/>
+              <a:t>)": </a:t>
+            </a:r>
+            <a:r>
+              <a:rPr lang="en-US" altLang="ko-KR" sz="1800" dirty="0"/>
+              <a:t>1.2, </a:t>
+            </a:r>
+            <a:endParaRPr lang="en-US" altLang="ko-KR" sz="1800" dirty="0" smtClean="0"/>
+          </a:p>
+          <a:p>
+            <a:pPr marL="0" indent="0">
+              <a:buNone/>
+            </a:pPr>
+            <a:r>
+              <a:rPr lang="en-US" altLang="ko-KR" sz="1800" dirty="0" smtClean="0"/>
+              <a:t>"guessing(</a:t>
+            </a:r>
+            <a:r>
+              <a:rPr lang="ko-KR" altLang="en-US" sz="1800" dirty="0" smtClean="0"/>
+              <a:t>추측도</a:t>
+            </a:r>
+            <a:r>
+              <a:rPr lang="en-US" altLang="ko-KR" sz="1800" dirty="0" smtClean="0"/>
+              <a:t>)": </a:t>
+            </a:r>
+            <a:r>
+              <a:rPr lang="en-US" altLang="ko-KR" sz="1800" dirty="0"/>
+              <a:t>0.2, </a:t>
+            </a:r>
+            <a:endParaRPr lang="en-US" altLang="ko-KR" sz="1800" dirty="0" smtClean="0"/>
+          </a:p>
+          <a:p>
+            <a:pPr marL="0" indent="0">
+              <a:buNone/>
+            </a:pPr>
+            <a:r>
+              <a:rPr lang="en-US" altLang="ko-KR" sz="1800" dirty="0" smtClean="0"/>
+              <a:t>"</a:t>
+            </a:r>
+            <a:r>
+              <a:rPr lang="en-US" altLang="ko-KR" sz="1800" dirty="0"/>
+              <a:t>subject": "</a:t>
+            </a:r>
+            <a:r>
+              <a:rPr lang="ko-KR" altLang="en-US" sz="1800" dirty="0"/>
+              <a:t>수학</a:t>
+            </a:r>
+            <a:r>
+              <a:rPr lang="en-US" altLang="ko-KR" sz="1800" dirty="0"/>
+              <a:t>", </a:t>
+            </a:r>
+            <a:endParaRPr lang="en-US" altLang="ko-KR" sz="1800" dirty="0" smtClean="0"/>
+          </a:p>
+          <a:p>
+            <a:pPr marL="0" indent="0">
+              <a:buNone/>
+            </a:pPr>
+            <a:r>
+              <a:rPr lang="en-US" altLang="ko-KR" sz="1800" dirty="0" smtClean="0"/>
+              <a:t>"</a:t>
+            </a:r>
+            <a:r>
+              <a:rPr lang="en-US" altLang="ko-KR" sz="1800" dirty="0" err="1"/>
+              <a:t>grade_level</a:t>
+            </a:r>
+            <a:r>
+              <a:rPr lang="en-US" altLang="ko-KR" sz="1800" dirty="0"/>
+              <a:t>": 3, </a:t>
+            </a:r>
+            <a:endParaRPr lang="en-US" altLang="ko-KR" sz="1800" dirty="0" smtClean="0"/>
+          </a:p>
+          <a:p>
+            <a:pPr marL="0" indent="0">
+              <a:buNone/>
+            </a:pPr>
+            <a:r>
+              <a:rPr lang="en-US" altLang="ko-KR" sz="1800" dirty="0" smtClean="0"/>
+              <a:t>"</a:t>
+            </a:r>
+            <a:r>
+              <a:rPr lang="en-US" altLang="ko-KR" sz="1800" dirty="0" err="1"/>
+              <a:t>max_score</a:t>
+            </a:r>
+            <a:r>
+              <a:rPr lang="en-US" altLang="ko-KR" sz="1800" dirty="0"/>
+              <a:t>": 1 }</a:t>
+            </a:r>
+            <a:endParaRPr lang="en-US" altLang="ko-KR" sz="1800" dirty="0" smtClean="0"/>
+          </a:p>
+          <a:p>
+            <a:pPr marL="0" indent="0">
+              <a:buNone/>
+            </a:pPr>
+            <a:endParaRPr lang="en-US" altLang="ko-KR" dirty="0"/>
+          </a:p>
+          <a:p>
+            <a:pPr marL="0" indent="0">
+              <a:buNone/>
+            </a:pPr>
+            <a:r>
+              <a:rPr lang="en-US" altLang="ko-KR" dirty="0"/>
+              <a:t>{ "</a:t>
+            </a:r>
+            <a:r>
+              <a:rPr lang="en-US" altLang="ko-KR" dirty="0" err="1"/>
+              <a:t>student_id</a:t>
+            </a:r>
+            <a:r>
+              <a:rPr lang="en-US" altLang="ko-KR" dirty="0"/>
+              <a:t>": "12345", </a:t>
+            </a:r>
+            <a:endParaRPr lang="en-US" altLang="ko-KR" dirty="0" smtClean="0"/>
+          </a:p>
+          <a:p>
+            <a:pPr marL="0" indent="0">
+              <a:buNone/>
+            </a:pPr>
+            <a:r>
+              <a:rPr lang="en-US" altLang="ko-KR" dirty="0" smtClean="0"/>
+              <a:t>"</a:t>
+            </a:r>
+            <a:r>
+              <a:rPr lang="en-US" altLang="ko-KR" dirty="0" err="1"/>
+              <a:t>session_id</a:t>
+            </a:r>
+            <a:r>
+              <a:rPr lang="en-US" altLang="ko-KR" dirty="0"/>
+              <a:t>": "</a:t>
+            </a:r>
+            <a:r>
+              <a:rPr lang="en-US" altLang="ko-KR" dirty="0" err="1"/>
+              <a:t>abcde</a:t>
+            </a:r>
+            <a:r>
+              <a:rPr lang="en-US" altLang="ko-KR" dirty="0"/>
+              <a:t>", </a:t>
+            </a:r>
+            <a:endParaRPr lang="en-US" altLang="ko-KR" dirty="0" smtClean="0"/>
+          </a:p>
+          <a:p>
+            <a:pPr marL="0" indent="0">
+              <a:buNone/>
+            </a:pPr>
+            <a:r>
+              <a:rPr lang="en-US" altLang="ko-KR" dirty="0" smtClean="0"/>
+              <a:t>"</a:t>
+            </a:r>
+            <a:r>
+              <a:rPr lang="en-US" altLang="ko-KR" dirty="0" err="1"/>
+              <a:t>question_id</a:t>
+            </a:r>
+            <a:r>
+              <a:rPr lang="en-US" altLang="ko-KR" dirty="0"/>
+              <a:t>": 1, </a:t>
+            </a:r>
+            <a:endParaRPr lang="en-US" altLang="ko-KR" dirty="0" smtClean="0"/>
+          </a:p>
+          <a:p>
+            <a:pPr marL="0" indent="0">
+              <a:buNone/>
+            </a:pPr>
+            <a:r>
+              <a:rPr lang="en-US" altLang="ko-KR" dirty="0" smtClean="0"/>
+              <a:t>"</a:t>
+            </a:r>
+            <a:r>
+              <a:rPr lang="en-US" altLang="ko-KR" dirty="0"/>
+              <a:t>response": 1 // 1: </a:t>
+            </a:r>
+            <a:r>
+              <a:rPr lang="ko-KR" altLang="en-US" dirty="0"/>
+              <a:t>정답</a:t>
+            </a:r>
+            <a:r>
+              <a:rPr lang="en-US" altLang="ko-KR" dirty="0"/>
+              <a:t>, 0: </a:t>
+            </a:r>
+            <a:r>
+              <a:rPr lang="ko-KR" altLang="en-US" dirty="0"/>
+              <a:t>오답 </a:t>
+            </a:r>
+            <a:r>
+              <a:rPr lang="en-US" altLang="ko-KR" dirty="0" smtClean="0"/>
+              <a:t>}</a:t>
+            </a:r>
+          </a:p>
+          <a:p>
+            <a:endParaRPr lang="en-US" altLang="ko-KR" dirty="0"/>
+          </a:p>
+          <a:p>
+            <a:endParaRPr lang="ko-KR" altLang="en-US" dirty="0"/>
+          </a:p>
+        </p:txBody>
+      </p:sp>
+    </p:spTree>
+    <p:extLst>
+      <p:ext uri="{BB962C8B-B14F-4D97-AF65-F5344CB8AC3E}">
+        <p14:creationId xmlns:p14="http://schemas.microsoft.com/office/powerpoint/2010/main" val="2569019871"/>
+      </p:ext>
+    </p:extLst>
+  </p:cSld>
+  <p:clrMapOvr>
+    <a:masterClrMapping/>
+  </p:clrMapOvr>
+</p:sld>
+</file>
+
+<file path=ppt/slides/slide13.xml><?xml version="1.0" encoding="utf-8"?>
+<p:sld xmlns:a="http://schemas.openxmlformats.org/drawingml/2006/main" xmlns:r="http://schemas.openxmlformats.org/officeDocument/2006/relationships" xmlns:p="http://schemas.openxmlformats.org/presentationml/2006/main">
+  <p:cSld>
+    <p:spTree>
+      <p:nvGrpSpPr>
+        <p:cNvPr id="1" name=""/>
+        <p:cNvGrpSpPr/>
+        <p:nvPr/>
+      </p:nvGrpSpPr>
+      <p:grpSpPr>
+        <a:xfrm>
+          <a:off x="0" y="0"/>
+          <a:ext cx="0" cy="0"/>
+          <a:chOff x="0" y="0"/>
+          <a:chExt cx="0" cy="0"/>
+        </a:xfrm>
+      </p:grpSpPr>
+      <p:sp>
+        <p:nvSpPr>
+          <p:cNvPr id="2" name="제목 1"/>
+          <p:cNvSpPr>
+            <a:spLocks noGrp="1"/>
+          </p:cNvSpPr>
+          <p:nvPr>
+            <p:ph type="title"/>
+          </p:nvPr>
+        </p:nvSpPr>
+        <p:spPr>
+          <a:xfrm>
+            <a:off x="838200" y="365125"/>
+            <a:ext cx="10515600" cy="819241"/>
+          </a:xfrm>
+        </p:spPr>
+        <p:txBody>
+          <a:bodyPr>
+            <a:normAutofit/>
+          </a:bodyPr>
+          <a:lstStyle/>
+          <a:p>
+            <a:r>
+              <a:rPr lang="ko-KR" altLang="en-US" sz="3200" dirty="0" smtClean="0"/>
+              <a:t>구현 목표</a:t>
+            </a:r>
+            <a:endParaRPr lang="ko-KR" altLang="en-US" sz="3200" dirty="0"/>
+          </a:p>
+        </p:txBody>
+      </p:sp>
+      <p:sp>
+        <p:nvSpPr>
+          <p:cNvPr id="3" name="내용 개체 틀 2"/>
+          <p:cNvSpPr>
+            <a:spLocks noGrp="1"/>
+          </p:cNvSpPr>
+          <p:nvPr>
+            <p:ph idx="1"/>
+          </p:nvPr>
+        </p:nvSpPr>
+        <p:spPr>
+          <a:xfrm>
+            <a:off x="838200" y="1166949"/>
+            <a:ext cx="10515600" cy="5010014"/>
+          </a:xfrm>
+        </p:spPr>
+        <p:txBody>
+          <a:bodyPr>
+            <a:normAutofit/>
+          </a:bodyPr>
+          <a:lstStyle/>
+          <a:p>
+            <a:r>
+              <a:rPr lang="ko-KR" altLang="en-US" sz="1400" dirty="0" err="1" smtClean="0"/>
+              <a:t>태블릿을</a:t>
+            </a:r>
+            <a:r>
+              <a:rPr lang="ko-KR" altLang="en-US" sz="1400" dirty="0" smtClean="0"/>
+              <a:t> 통해 학생 </a:t>
+            </a:r>
+            <a:r>
+              <a:rPr lang="en-US" altLang="ko-KR" sz="1400" dirty="0"/>
+              <a:t>θ </a:t>
+            </a:r>
+            <a:r>
+              <a:rPr lang="ko-KR" altLang="en-US" sz="1400" dirty="0" smtClean="0"/>
+              <a:t>값을 </a:t>
+            </a:r>
+            <a:r>
+              <a:rPr lang="en-US" altLang="ko-KR" sz="1400" dirty="0" smtClean="0"/>
+              <a:t>API-gateway</a:t>
+            </a:r>
+            <a:r>
+              <a:rPr lang="ko-KR" altLang="en-US" sz="1400" dirty="0" smtClean="0"/>
+              <a:t>로 받았다고 가정</a:t>
+            </a:r>
+            <a:r>
+              <a:rPr lang="en-US" altLang="ko-KR" sz="1400" dirty="0" smtClean="0"/>
+              <a:t>. </a:t>
+            </a:r>
+            <a:endParaRPr lang="en-US" altLang="ko-KR" sz="1400" dirty="0"/>
+          </a:p>
+          <a:p>
+            <a:endParaRPr lang="en-US" altLang="ko-KR" sz="1400" dirty="0" smtClean="0"/>
+          </a:p>
+          <a:p>
+            <a:endParaRPr lang="en-US" altLang="ko-KR" sz="1400" dirty="0"/>
+          </a:p>
+          <a:p>
+            <a:endParaRPr lang="en-US" altLang="ko-KR" sz="1400" dirty="0" smtClean="0"/>
+          </a:p>
+          <a:p>
+            <a:r>
+              <a:rPr lang="en-US" altLang="ko-KR" sz="1400" dirty="0" smtClean="0"/>
+              <a:t>RDS</a:t>
+            </a:r>
+            <a:r>
+              <a:rPr lang="ko-KR" altLang="en-US" sz="1400" dirty="0" smtClean="0"/>
+              <a:t>에는 아래와 같은 형태로 문제데이터가 적재되어 있음</a:t>
+            </a:r>
+            <a:r>
+              <a:rPr lang="en-US" altLang="ko-KR" sz="1400" dirty="0" smtClean="0"/>
+              <a:t>.</a:t>
+            </a:r>
+          </a:p>
+          <a:p>
+            <a:endParaRPr lang="en-US" altLang="ko-KR" sz="1400" dirty="0"/>
+          </a:p>
+          <a:p>
+            <a:endParaRPr lang="en-US" altLang="ko-KR" sz="1400" dirty="0" smtClean="0"/>
+          </a:p>
+          <a:p>
+            <a:endParaRPr lang="en-US" altLang="ko-KR" sz="1400" dirty="0"/>
+          </a:p>
+          <a:p>
+            <a:pPr marL="0" indent="0">
+              <a:buNone/>
+            </a:pPr>
+            <a:endParaRPr lang="en-US" altLang="ko-KR" sz="1400" dirty="0" smtClean="0"/>
+          </a:p>
+          <a:p>
+            <a:r>
+              <a:rPr lang="ko-KR" altLang="en-US" sz="1400" dirty="0" smtClean="0"/>
+              <a:t>초기 </a:t>
+            </a:r>
+            <a:r>
+              <a:rPr lang="el-GR" altLang="ko-KR" sz="1400" dirty="0" smtClean="0"/>
+              <a:t>Θ</a:t>
+            </a:r>
+            <a:r>
+              <a:rPr lang="ko-KR" altLang="en-US" sz="1400" dirty="0" smtClean="0"/>
+              <a:t>값을 </a:t>
+            </a:r>
+            <a:r>
+              <a:rPr lang="en-US" altLang="ko-KR" sz="1400" dirty="0" smtClean="0"/>
+              <a:t>RDS</a:t>
+            </a:r>
+            <a:r>
+              <a:rPr lang="ko-KR" altLang="en-US" sz="1400" dirty="0" smtClean="0"/>
+              <a:t>에 적재하고 문제를 </a:t>
+            </a:r>
+            <a:r>
+              <a:rPr lang="ko-KR" altLang="en-US" sz="1400" dirty="0" err="1" smtClean="0"/>
+              <a:t>반환받아</a:t>
+            </a:r>
+            <a:r>
+              <a:rPr lang="ko-KR" altLang="en-US" sz="1400" dirty="0" smtClean="0"/>
+              <a:t> 다시 </a:t>
+            </a:r>
+            <a:r>
+              <a:rPr lang="ko-KR" altLang="en-US" sz="1400" dirty="0" err="1" smtClean="0"/>
+              <a:t>태블릿으로</a:t>
+            </a:r>
+            <a:r>
+              <a:rPr lang="ko-KR" altLang="en-US" sz="1400" dirty="0" smtClean="0"/>
+              <a:t> 보냄</a:t>
+            </a:r>
+            <a:endParaRPr lang="en-US" altLang="ko-KR" sz="1400" dirty="0"/>
+          </a:p>
+          <a:p>
+            <a:endParaRPr lang="en-US" altLang="ko-KR" sz="1400" dirty="0" smtClean="0"/>
+          </a:p>
+          <a:p>
+            <a:endParaRPr lang="en-US" altLang="ko-KR" sz="1400" dirty="0"/>
+          </a:p>
+          <a:p>
+            <a:r>
+              <a:rPr lang="ko-KR" altLang="en-US" sz="1400" dirty="0" smtClean="0"/>
+              <a:t>다시 문제를 풀고 이와 같은 형태로 </a:t>
+            </a:r>
+            <a:r>
+              <a:rPr lang="ko-KR" altLang="en-US" sz="1400" dirty="0" err="1" smtClean="0"/>
+              <a:t>들어왔을때</a:t>
+            </a:r>
+            <a:r>
+              <a:rPr lang="ko-KR" altLang="en-US" sz="1400" dirty="0" smtClean="0"/>
+              <a:t> 이를 람다가 </a:t>
+            </a:r>
+            <a:r>
+              <a:rPr lang="en-US" altLang="ko-KR" sz="1400" dirty="0" err="1" smtClean="0"/>
+              <a:t>sagemaker</a:t>
+            </a:r>
+            <a:r>
+              <a:rPr lang="ko-KR" altLang="en-US" sz="1400" dirty="0" smtClean="0"/>
+              <a:t>로 보내 채점을 하고</a:t>
+            </a:r>
+            <a:r>
+              <a:rPr lang="el-GR" altLang="ko-KR" sz="1400" dirty="0"/>
+              <a:t> </a:t>
+            </a:r>
+            <a:r>
+              <a:rPr lang="el-GR" altLang="ko-KR" sz="1400" dirty="0" smtClean="0"/>
+              <a:t>Θ</a:t>
+            </a:r>
+            <a:r>
+              <a:rPr lang="ko-KR" altLang="en-US" sz="1400" dirty="0" smtClean="0"/>
+              <a:t>을 업데이트</a:t>
+            </a:r>
+            <a:r>
+              <a:rPr lang="en-US" altLang="ko-KR" sz="1400" dirty="0" smtClean="0"/>
+              <a:t>(</a:t>
+            </a:r>
+            <a:r>
+              <a:rPr lang="en-US" altLang="ko-KR" sz="1400" dirty="0" err="1" smtClean="0"/>
+              <a:t>edu-irt</a:t>
+            </a:r>
+            <a:r>
+              <a:rPr lang="en-US" altLang="ko-KR" sz="1400" dirty="0" smtClean="0"/>
+              <a:t> </a:t>
+            </a:r>
+            <a:r>
+              <a:rPr lang="ko-KR" altLang="en-US" sz="1400" dirty="0" smtClean="0"/>
+              <a:t>패키지의 </a:t>
+            </a:r>
+            <a:r>
+              <a:rPr lang="en-US" altLang="ko-KR" sz="1400" dirty="0" smtClean="0"/>
+              <a:t>model.py</a:t>
+            </a:r>
+            <a:r>
+              <a:rPr lang="ko-KR" altLang="en-US" sz="1400" dirty="0" smtClean="0"/>
+              <a:t>를 통해 처리</a:t>
+            </a:r>
+            <a:endParaRPr lang="en-US" altLang="ko-KR" sz="1400" dirty="0" smtClean="0"/>
+          </a:p>
+          <a:p>
+            <a:endParaRPr lang="en-US" altLang="ko-KR" sz="1400" dirty="0" smtClean="0"/>
+          </a:p>
+          <a:p>
+            <a:endParaRPr lang="ko-KR" altLang="en-US" sz="1800" dirty="0"/>
+          </a:p>
+        </p:txBody>
+      </p:sp>
+      <p:pic>
+        <p:nvPicPr>
+          <p:cNvPr id="3075" name="Picture 3"/>
+          <p:cNvPicPr>
+            <a:picLocks noChangeAspect="1" noChangeArrowheads="1"/>
+          </p:cNvPicPr>
+          <p:nvPr/>
+        </p:nvPicPr>
+        <p:blipFill>
+          <a:blip r:embed="rId2" cstate="print">
+            <a:extLst>
+              <a:ext uri="{28A0092B-C50C-407E-A947-70E740481C1C}">
+                <a14:useLocalDpi xmlns:a14="http://schemas.microsoft.com/office/drawing/2010/main" val="0"/>
+              </a:ext>
+            </a:extLst>
+          </a:blip>
+          <a:srcRect/>
+          <a:stretch>
+            <a:fillRect/>
+          </a:stretch>
+        </p:blipFill>
+        <p:spPr bwMode="auto">
+          <a:xfrm>
+            <a:off x="1021001" y="1591566"/>
+            <a:ext cx="2301760" cy="593609"/>
+          </a:xfrm>
+          <a:prstGeom prst="rect">
+            <a:avLst/>
+          </a:prstGeom>
+          <a:noFill/>
+          <a:ln>
+            <a:noFill/>
+          </a:ln>
+          <a:effectLst/>
+          <a:extLst>
+            <a:ext uri="{909E8E84-426E-40DD-AFC4-6F175D3DCCD1}">
+              <a14:hiddenFill xmlns:a14="http://schemas.microsoft.com/office/drawing/2010/main">
+                <a:solidFill>
+                  <a:schemeClr val="accent1"/>
+                </a:solidFill>
+              </a14:hiddenFill>
+            </a:ext>
+            <a:ext uri="{91240B29-F687-4F45-9708-019B960494DF}">
+              <a14:hiddenLine xmlns:a14="http://schemas.microsoft.com/office/drawing/2010/main" w="9525">
+                <a:solidFill>
+                  <a:schemeClr val="tx1"/>
+                </a:solidFill>
+                <a:miter lim="800000"/>
+                <a:headEnd/>
+                <a:tailEnd/>
+              </a14:hiddenLine>
+            </a:ext>
+            <a:ext uri="{AF507438-7753-43E0-B8FC-AC1667EBCBE1}">
+              <a14:hiddenEffects xmlns:a14="http://schemas.microsoft.com/office/drawing/2010/main">
+                <a:effectLst>
+                  <a:outerShdw dist="35921" dir="2700000" algn="ctr" rotWithShape="0">
+                    <a:schemeClr val="bg2"/>
+                  </a:outerShdw>
+                </a:effectLst>
+              </a14:hiddenEffects>
+            </a:ext>
+          </a:extLst>
+        </p:spPr>
+      </p:pic>
+      <p:pic>
+        <p:nvPicPr>
+          <p:cNvPr id="3076" name="Picture 4"/>
+          <p:cNvPicPr>
+            <a:picLocks noChangeAspect="1" noChangeArrowheads="1"/>
+          </p:cNvPicPr>
+          <p:nvPr/>
+        </p:nvPicPr>
+        <p:blipFill>
+          <a:blip r:embed="rId3">
+            <a:extLst>
+              <a:ext uri="{28A0092B-C50C-407E-A947-70E740481C1C}">
+                <a14:useLocalDpi xmlns:a14="http://schemas.microsoft.com/office/drawing/2010/main" val="0"/>
+              </a:ext>
+            </a:extLst>
+          </a:blip>
+          <a:srcRect/>
+          <a:stretch>
+            <a:fillRect/>
+          </a:stretch>
+        </p:blipFill>
+        <p:spPr bwMode="auto">
+          <a:xfrm>
+            <a:off x="1104809" y="2817241"/>
+            <a:ext cx="2134144" cy="1093098"/>
+          </a:xfrm>
+          <a:prstGeom prst="rect">
+            <a:avLst/>
+          </a:prstGeom>
+          <a:noFill/>
+          <a:ln>
+            <a:noFill/>
+          </a:ln>
+          <a:effectLst/>
+          <a:extLst>
+            <a:ext uri="{909E8E84-426E-40DD-AFC4-6F175D3DCCD1}">
+              <a14:hiddenFill xmlns:a14="http://schemas.microsoft.com/office/drawing/2010/main">
+                <a:solidFill>
+                  <a:schemeClr val="accent1"/>
+                </a:solidFill>
+              </a14:hiddenFill>
+            </a:ext>
+            <a:ext uri="{91240B29-F687-4F45-9708-019B960494DF}">
+              <a14:hiddenLine xmlns:a14="http://schemas.microsoft.com/office/drawing/2010/main" w="9525">
+                <a:solidFill>
+                  <a:schemeClr val="tx1"/>
+                </a:solidFill>
+                <a:miter lim="800000"/>
+                <a:headEnd/>
+                <a:tailEnd/>
+              </a14:hiddenLine>
+            </a:ext>
+            <a:ext uri="{AF507438-7753-43E0-B8FC-AC1667EBCBE1}">
+              <a14:hiddenEffects xmlns:a14="http://schemas.microsoft.com/office/drawing/2010/main">
+                <a:effectLst>
+                  <a:outerShdw dist="35921" dir="2700000" algn="ctr" rotWithShape="0">
+                    <a:schemeClr val="bg2"/>
+                  </a:outerShdw>
+                </a:effectLst>
+              </a14:hiddenEffects>
+            </a:ext>
+          </a:extLst>
+        </p:spPr>
+      </p:pic>
+      <p:pic>
+        <p:nvPicPr>
+          <p:cNvPr id="3077" name="Picture 5"/>
+          <p:cNvPicPr>
+            <a:picLocks noChangeAspect="1" noChangeArrowheads="1"/>
+          </p:cNvPicPr>
+          <p:nvPr/>
+        </p:nvPicPr>
+        <p:blipFill>
+          <a:blip r:embed="rId4" cstate="print">
+            <a:extLst>
+              <a:ext uri="{28A0092B-C50C-407E-A947-70E740481C1C}">
+                <a14:useLocalDpi xmlns:a14="http://schemas.microsoft.com/office/drawing/2010/main" val="0"/>
+              </a:ext>
+            </a:extLst>
+          </a:blip>
+          <a:srcRect/>
+          <a:stretch>
+            <a:fillRect/>
+          </a:stretch>
+        </p:blipFill>
+        <p:spPr bwMode="auto">
+          <a:xfrm>
+            <a:off x="1120955" y="5560095"/>
+            <a:ext cx="2117998" cy="715168"/>
+          </a:xfrm>
+          <a:prstGeom prst="rect">
+            <a:avLst/>
+          </a:prstGeom>
+          <a:noFill/>
+          <a:ln>
+            <a:noFill/>
+          </a:ln>
+          <a:effectLst/>
+          <a:extLst>
+            <a:ext uri="{909E8E84-426E-40DD-AFC4-6F175D3DCCD1}">
+              <a14:hiddenFill xmlns:a14="http://schemas.microsoft.com/office/drawing/2010/main">
+                <a:solidFill>
+                  <a:schemeClr val="accent1"/>
+                </a:solidFill>
+              </a14:hiddenFill>
+            </a:ext>
+            <a:ext uri="{91240B29-F687-4F45-9708-019B960494DF}">
+              <a14:hiddenLine xmlns:a14="http://schemas.microsoft.com/office/drawing/2010/main" w="9525">
+                <a:solidFill>
+                  <a:schemeClr val="tx1"/>
+                </a:solidFill>
+                <a:miter lim="800000"/>
+                <a:headEnd/>
+                <a:tailEnd/>
+              </a14:hiddenLine>
+            </a:ext>
+            <a:ext uri="{AF507438-7753-43E0-B8FC-AC1667EBCBE1}">
+              <a14:hiddenEffects xmlns:a14="http://schemas.microsoft.com/office/drawing/2010/main">
+                <a:effectLst>
+                  <a:outerShdw dist="35921" dir="2700000" algn="ctr" rotWithShape="0">
+                    <a:schemeClr val="bg2"/>
+                  </a:outerShdw>
+                </a:effectLst>
+              </a14:hiddenEffects>
+            </a:ext>
+          </a:extLst>
+        </p:spPr>
+      </p:pic>
+    </p:spTree>
+    <p:extLst>
+      <p:ext uri="{BB962C8B-B14F-4D97-AF65-F5344CB8AC3E}">
+        <p14:creationId xmlns:p14="http://schemas.microsoft.com/office/powerpoint/2010/main" val="3219182960"/>
+      </p:ext>
+    </p:extLst>
+  </p:cSld>
+  <p:clrMapOvr>
+    <a:masterClrMapping/>
+  </p:clrMapOvr>
+</p:sld>
+</file>
+
+<file path=ppt/slides/slide14.xml><?xml version="1.0" encoding="utf-8"?>
+<p:sld xmlns:a="http://schemas.openxmlformats.org/drawingml/2006/main" xmlns:r="http://schemas.openxmlformats.org/officeDocument/2006/relationships" xmlns:p="http://schemas.openxmlformats.org/presentationml/2006/main">
+  <p:cSld>
+    <p:spTree>
+      <p:nvGrpSpPr>
+        <p:cNvPr id="1" name=""/>
+        <p:cNvGrpSpPr/>
+        <p:nvPr/>
+      </p:nvGrpSpPr>
+      <p:grpSpPr>
+        <a:xfrm>
+          <a:off x="0" y="0"/>
+          <a:ext cx="0" cy="0"/>
+          <a:chOff x="0" y="0"/>
+          <a:chExt cx="0" cy="0"/>
+        </a:xfrm>
+      </p:grpSpPr>
+      <p:sp>
+        <p:nvSpPr>
+          <p:cNvPr id="2" name="제목 1"/>
+          <p:cNvSpPr>
+            <a:spLocks noGrp="1"/>
+          </p:cNvSpPr>
+          <p:nvPr>
+            <p:ph type="title"/>
+          </p:nvPr>
+        </p:nvSpPr>
+        <p:spPr>
+          <a:xfrm>
+            <a:off x="838200" y="365125"/>
+            <a:ext cx="10515600" cy="819241"/>
+          </a:xfrm>
+        </p:spPr>
+        <p:txBody>
+          <a:bodyPr>
+            <a:normAutofit/>
+          </a:bodyPr>
+          <a:lstStyle/>
+          <a:p>
+            <a:r>
+              <a:rPr lang="ko-KR" altLang="en-US" sz="3200" dirty="0" smtClean="0"/>
+              <a:t>구현 목표</a:t>
+            </a:r>
+            <a:endParaRPr lang="ko-KR" altLang="en-US" sz="3200" dirty="0"/>
+          </a:p>
+        </p:txBody>
+      </p:sp>
+      <p:sp>
+        <p:nvSpPr>
+          <p:cNvPr id="3" name="내용 개체 틀 2"/>
+          <p:cNvSpPr>
+            <a:spLocks noGrp="1"/>
+          </p:cNvSpPr>
+          <p:nvPr>
+            <p:ph idx="1"/>
+          </p:nvPr>
+        </p:nvSpPr>
+        <p:spPr>
+          <a:xfrm>
+            <a:off x="838200" y="1166949"/>
+            <a:ext cx="10515600" cy="5010014"/>
+          </a:xfrm>
+        </p:spPr>
+        <p:txBody>
+          <a:bodyPr>
+            <a:normAutofit/>
+          </a:bodyPr>
+          <a:lstStyle/>
+          <a:p>
+            <a:r>
+              <a:rPr lang="ko-KR" altLang="en-US" sz="1400" dirty="0" smtClean="0"/>
+              <a:t>업데이트 된 </a:t>
+            </a:r>
+            <a:r>
+              <a:rPr lang="el-GR" altLang="ko-KR" sz="1400" dirty="0" smtClean="0"/>
+              <a:t>Θ</a:t>
+            </a:r>
+            <a:r>
+              <a:rPr lang="ko-KR" altLang="en-US" sz="1400" dirty="0" smtClean="0"/>
+              <a:t>을 통해 </a:t>
+            </a:r>
+            <a:r>
+              <a:rPr lang="en-US" altLang="ko-KR" sz="1400" dirty="0" smtClean="0"/>
+              <a:t>RDS</a:t>
+            </a:r>
+            <a:r>
+              <a:rPr lang="ko-KR" altLang="en-US" sz="1400" dirty="0" smtClean="0"/>
+              <a:t>에서 적절한 문제를 조회</a:t>
+            </a:r>
+            <a:endParaRPr lang="en-US" altLang="ko-KR" sz="1400" dirty="0"/>
+          </a:p>
+          <a:p>
+            <a:endParaRPr lang="en-US" altLang="ko-KR" sz="1400" dirty="0" smtClean="0"/>
+          </a:p>
+          <a:p>
+            <a:endParaRPr lang="en-US" altLang="ko-KR" sz="1400" dirty="0"/>
+          </a:p>
+          <a:p>
+            <a:endParaRPr lang="en-US" altLang="ko-KR" sz="1400" dirty="0" smtClean="0"/>
+          </a:p>
+          <a:p>
+            <a:r>
+              <a:rPr lang="ko-KR" altLang="en-US" sz="1400" dirty="0" smtClean="0"/>
+              <a:t>조회된 문제를 다시 람다를 통해 </a:t>
+            </a:r>
+            <a:r>
+              <a:rPr lang="en-US" altLang="ko-KR" sz="1400" dirty="0" smtClean="0"/>
+              <a:t>API gateway</a:t>
+            </a:r>
+            <a:r>
+              <a:rPr lang="ko-KR" altLang="en-US" sz="1400" dirty="0" smtClean="0"/>
+              <a:t>로 보내어 출제</a:t>
+            </a:r>
+            <a:endParaRPr lang="en-US" altLang="ko-KR" sz="1400" dirty="0" smtClean="0"/>
+          </a:p>
+          <a:p>
+            <a:endParaRPr lang="en-US" altLang="ko-KR" sz="1400" dirty="0" smtClean="0"/>
+          </a:p>
+          <a:p>
+            <a:endParaRPr lang="en-US" altLang="ko-KR" sz="1400" dirty="0"/>
+          </a:p>
+          <a:p>
+            <a:endParaRPr lang="en-US" altLang="ko-KR" sz="1400" dirty="0"/>
+          </a:p>
+          <a:p>
+            <a:r>
+              <a:rPr lang="ko-KR" altLang="en-US" sz="1400" dirty="0" smtClean="0"/>
+              <a:t>람다를 통해 </a:t>
+            </a:r>
+            <a:r>
+              <a:rPr lang="el-GR" altLang="ko-KR" sz="1400" dirty="0" smtClean="0"/>
+              <a:t>Θ</a:t>
+            </a:r>
+            <a:r>
+              <a:rPr lang="ko-KR" altLang="en-US" sz="1400" dirty="0" smtClean="0"/>
+              <a:t>값이 일정해진다면</a:t>
+            </a:r>
+            <a:r>
+              <a:rPr lang="en-US" altLang="ko-KR" sz="1400" dirty="0" smtClean="0"/>
+              <a:t>(</a:t>
+            </a:r>
+            <a:r>
+              <a:rPr lang="ko-KR" altLang="en-US" sz="1400" dirty="0" smtClean="0"/>
+              <a:t>기준을 수립</a:t>
+            </a:r>
+            <a:r>
+              <a:rPr lang="en-US" altLang="ko-KR" sz="1400" dirty="0" smtClean="0"/>
+              <a:t>) </a:t>
+            </a:r>
+            <a:r>
+              <a:rPr lang="ko-KR" altLang="en-US" sz="1400" dirty="0" smtClean="0"/>
+              <a:t>과정을 멈추고 </a:t>
+            </a:r>
+            <a:r>
+              <a:rPr lang="en-US" altLang="ko-KR" sz="1400" dirty="0" smtClean="0"/>
+              <a:t>RDS</a:t>
+            </a:r>
+            <a:r>
+              <a:rPr lang="ko-KR" altLang="en-US" sz="1400" dirty="0" smtClean="0"/>
+              <a:t>가 기존의 </a:t>
+            </a:r>
+            <a:r>
+              <a:rPr lang="el-GR" altLang="ko-KR" sz="1400" dirty="0" smtClean="0"/>
+              <a:t>Θ</a:t>
+            </a:r>
+            <a:r>
+              <a:rPr lang="ko-KR" altLang="en-US" sz="1400" dirty="0" smtClean="0"/>
+              <a:t>값을 </a:t>
+            </a:r>
+            <a:r>
+              <a:rPr lang="en-US" altLang="ko-KR" sz="1400" dirty="0" err="1" smtClean="0"/>
+              <a:t>quicksight</a:t>
+            </a:r>
+            <a:r>
+              <a:rPr lang="ko-KR" altLang="en-US" sz="1400" dirty="0" smtClean="0"/>
+              <a:t>를 통해 시각화</a:t>
+            </a:r>
+            <a:endParaRPr lang="en-US" altLang="ko-KR" sz="1400" dirty="0" smtClean="0"/>
+          </a:p>
+          <a:p>
+            <a:endParaRPr lang="en-US" altLang="ko-KR" sz="1400" dirty="0" smtClean="0"/>
+          </a:p>
+          <a:p>
+            <a:endParaRPr lang="en-US" altLang="ko-KR" sz="1400" dirty="0"/>
+          </a:p>
+          <a:p>
+            <a:r>
+              <a:rPr lang="en-US" altLang="ko-KR" sz="1400" dirty="0" smtClean="0"/>
+              <a:t># </a:t>
+            </a:r>
+            <a:r>
+              <a:rPr lang="ko-KR" altLang="en-US" sz="1400" dirty="0" smtClean="0"/>
+              <a:t>실제 </a:t>
+            </a:r>
+            <a:r>
+              <a:rPr lang="ko-KR" altLang="en-US" sz="1400" dirty="0" err="1"/>
+              <a:t>태블릿을</a:t>
+            </a:r>
+            <a:r>
+              <a:rPr lang="ko-KR" altLang="en-US" sz="1400" dirty="0"/>
+              <a:t> 통해 데이터를 받는 과정은 제한 되므로 생략</a:t>
+            </a:r>
+            <a:r>
+              <a:rPr lang="en-US" altLang="ko-KR" sz="1400" dirty="0" smtClean="0"/>
+              <a:t>.</a:t>
+            </a:r>
+          </a:p>
+          <a:p>
+            <a:r>
+              <a:rPr lang="en-US" altLang="ko-KR" sz="1400" dirty="0" smtClean="0"/>
+              <a:t># </a:t>
+            </a:r>
+            <a:r>
+              <a:rPr lang="ko-KR" altLang="en-US" sz="1400" dirty="0" smtClean="0"/>
+              <a:t>문제는 임의로 양식에 맞추어 생성하여 </a:t>
+            </a:r>
+            <a:r>
+              <a:rPr lang="en-US" altLang="ko-KR" sz="1400" dirty="0" smtClean="0"/>
+              <a:t>RDS</a:t>
+            </a:r>
+            <a:r>
+              <a:rPr lang="ko-KR" altLang="en-US" sz="1400" dirty="0" smtClean="0"/>
+              <a:t>에 적재</a:t>
+            </a:r>
+            <a:endParaRPr lang="en-US" altLang="ko-KR" sz="1400" dirty="0" smtClean="0"/>
+          </a:p>
+          <a:p>
+            <a:r>
+              <a:rPr lang="en-US" altLang="ko-KR" sz="1400" dirty="0" smtClean="0"/>
+              <a:t># </a:t>
+            </a:r>
+            <a:r>
+              <a:rPr lang="ko-KR" altLang="en-US" sz="1400" dirty="0" smtClean="0"/>
+              <a:t>학생이 제출하는 답변 양식도 임의로 생성</a:t>
+            </a:r>
+            <a:endParaRPr lang="en-US" altLang="ko-KR" sz="1400" dirty="0" smtClean="0"/>
+          </a:p>
+          <a:p>
+            <a:r>
+              <a:rPr lang="en-US" altLang="ko-KR" sz="1400" dirty="0" smtClean="0"/>
+              <a:t># </a:t>
+            </a:r>
+            <a:r>
+              <a:rPr lang="ko-KR" altLang="en-US" sz="1400" dirty="0" smtClean="0"/>
+              <a:t>난이도</a:t>
+            </a:r>
+            <a:r>
+              <a:rPr lang="en-US" altLang="ko-KR" sz="1400" dirty="0" smtClean="0"/>
+              <a:t>, </a:t>
+            </a:r>
+            <a:r>
+              <a:rPr lang="ko-KR" altLang="en-US" sz="1400" dirty="0" smtClean="0"/>
+              <a:t>변별도</a:t>
+            </a:r>
+            <a:r>
+              <a:rPr lang="en-US" altLang="ko-KR" sz="1400" dirty="0" smtClean="0"/>
+              <a:t>, </a:t>
+            </a:r>
+            <a:r>
+              <a:rPr lang="ko-KR" altLang="en-US" sz="1400" dirty="0" err="1" smtClean="0"/>
+              <a:t>추측도만으로</a:t>
+            </a:r>
+            <a:r>
+              <a:rPr lang="ko-KR" altLang="en-US" sz="1400" dirty="0" smtClean="0"/>
+              <a:t> </a:t>
+            </a:r>
+            <a:r>
+              <a:rPr lang="el-GR" altLang="ko-KR" sz="1400" dirty="0" smtClean="0"/>
+              <a:t>Θ</a:t>
+            </a:r>
+            <a:r>
+              <a:rPr lang="ko-KR" altLang="en-US" sz="1400" dirty="0" smtClean="0"/>
+              <a:t>을 </a:t>
+            </a:r>
+            <a:r>
+              <a:rPr lang="ko-KR" altLang="en-US" sz="1400" dirty="0" err="1" smtClean="0"/>
+              <a:t>추청하는</a:t>
+            </a:r>
+            <a:r>
+              <a:rPr lang="ko-KR" altLang="en-US" sz="1400" dirty="0" smtClean="0"/>
+              <a:t> 방식</a:t>
+            </a:r>
+            <a:endParaRPr lang="en-US" altLang="ko-KR" sz="1400" dirty="0" smtClean="0"/>
+          </a:p>
+          <a:p>
+            <a:pPr marL="0" indent="0">
+              <a:buNone/>
+            </a:pPr>
+            <a:endParaRPr lang="en-US" altLang="ko-KR" sz="1400" dirty="0" smtClean="0"/>
+          </a:p>
+          <a:p>
+            <a:endParaRPr lang="ko-KR" altLang="en-US" sz="1800" dirty="0"/>
+          </a:p>
+        </p:txBody>
+      </p:sp>
+      <p:pic>
+        <p:nvPicPr>
+          <p:cNvPr id="3078" name="Picture 6"/>
+          <p:cNvPicPr>
+            <a:picLocks noChangeAspect="1" noChangeArrowheads="1"/>
+          </p:cNvPicPr>
+          <p:nvPr/>
+        </p:nvPicPr>
+        <p:blipFill>
+          <a:blip r:embed="rId2">
+            <a:extLst>
+              <a:ext uri="{28A0092B-C50C-407E-A947-70E740481C1C}">
+                <a14:useLocalDpi xmlns:a14="http://schemas.microsoft.com/office/drawing/2010/main" val="0"/>
+              </a:ext>
+            </a:extLst>
+          </a:blip>
+          <a:srcRect/>
+          <a:stretch>
+            <a:fillRect/>
+          </a:stretch>
+        </p:blipFill>
+        <p:spPr bwMode="auto">
+          <a:xfrm>
+            <a:off x="8403771" y="4140545"/>
+            <a:ext cx="2466839" cy="1722872"/>
+          </a:xfrm>
+          <a:prstGeom prst="rect">
+            <a:avLst/>
+          </a:prstGeom>
+          <a:noFill/>
+          <a:ln>
+            <a:noFill/>
+          </a:ln>
+          <a:effectLst/>
+          <a:extLst>
+            <a:ext uri="{909E8E84-426E-40DD-AFC4-6F175D3DCCD1}">
+              <a14:hiddenFill xmlns:a14="http://schemas.microsoft.com/office/drawing/2010/main">
+                <a:solidFill>
+                  <a:schemeClr val="accent1"/>
+                </a:solidFill>
+              </a14:hiddenFill>
+            </a:ext>
+            <a:ext uri="{91240B29-F687-4F45-9708-019B960494DF}">
+              <a14:hiddenLine xmlns:a14="http://schemas.microsoft.com/office/drawing/2010/main" w="9525">
+                <a:solidFill>
+                  <a:schemeClr val="tx1"/>
+                </a:solidFill>
+                <a:miter lim="800000"/>
+                <a:headEnd/>
+                <a:tailEnd/>
+              </a14:hiddenLine>
+            </a:ext>
+            <a:ext uri="{AF507438-7753-43E0-B8FC-AC1667EBCBE1}">
+              <a14:hiddenEffects xmlns:a14="http://schemas.microsoft.com/office/drawing/2010/main">
+                <a:effectLst>
+                  <a:outerShdw dist="35921" dir="2700000" algn="ctr" rotWithShape="0">
+                    <a:schemeClr val="bg2"/>
+                  </a:outerShdw>
+                </a:effectLst>
+              </a14:hiddenEffects>
+            </a:ext>
+          </a:extLst>
+        </p:spPr>
+      </p:pic>
+    </p:spTree>
+    <p:extLst>
+      <p:ext uri="{BB962C8B-B14F-4D97-AF65-F5344CB8AC3E}">
+        <p14:creationId xmlns:p14="http://schemas.microsoft.com/office/powerpoint/2010/main" val="3556527809"/>
       </p:ext>
     </p:extLst>
   </p:cSld>
@@ -3468,40 +5122,101 @@
           <a:chExt cx="0" cy="0"/>
         </a:xfrm>
       </p:grpSpPr>
+      <p:sp>
+        <p:nvSpPr>
+          <p:cNvPr id="2" name="제목 1"/>
+          <p:cNvSpPr>
+            <a:spLocks noGrp="1"/>
+          </p:cNvSpPr>
+          <p:nvPr>
+            <p:ph type="title"/>
+          </p:nvPr>
+        </p:nvSpPr>
+        <p:spPr/>
+        <p:txBody>
+          <a:bodyPr/>
+          <a:lstStyle/>
+          <a:p>
+            <a:r>
+              <a:rPr lang="ko-KR" altLang="en-US" dirty="0" smtClean="0"/>
+              <a:t>구현해보고자 하는 서비스 </a:t>
+            </a:r>
+            <a:r>
+              <a:rPr lang="en-US" altLang="ko-KR" dirty="0" smtClean="0"/>
+              <a:t>Flow Chart</a:t>
+            </a:r>
+            <a:endParaRPr lang="ko-KR" altLang="en-US" dirty="0"/>
+          </a:p>
+        </p:txBody>
+      </p:sp>
       <p:pic>
         <p:nvPicPr>
-          <p:cNvPr id="5" name="그림 4">
-            <a:extLst>
-              <a:ext uri="{FF2B5EF4-FFF2-40B4-BE49-F238E27FC236}">
-                <a16:creationId xmlns:a16="http://schemas.microsoft.com/office/drawing/2014/main" id="{3B1A4624-198E-5447-6C44-D12FEB6672E6}"/>
-              </a:ext>
-            </a:extLst>
-          </p:cNvPr>
+          <p:cNvPr id="2050" name="Picture 2"/>
           <p:cNvPicPr>
-            <a:picLocks noChangeAspect="1"/>
+            <a:picLocks noChangeAspect="1" noChangeArrowheads="1"/>
           </p:cNvPicPr>
           <p:nvPr/>
         </p:nvPicPr>
         <p:blipFill>
-          <a:blip r:embed="rId2"/>
+          <a:blip r:embed="rId2">
+            <a:extLst>
+              <a:ext uri="{28A0092B-C50C-407E-A947-70E740481C1C}">
+                <a14:useLocalDpi xmlns:a14="http://schemas.microsoft.com/office/drawing/2010/main" val="0"/>
+              </a:ext>
+            </a:extLst>
+          </a:blip>
+          <a:srcRect/>
           <a:stretch>
             <a:fillRect/>
           </a:stretch>
         </p:blipFill>
-        <p:spPr>
+        <p:spPr bwMode="auto">
           <a:xfrm>
-            <a:off x="410846" y="428018"/>
-            <a:ext cx="11508780" cy="5821666"/>
+            <a:off x="3083923" y="2280920"/>
+            <a:ext cx="5650774" cy="3875362"/>
           </a:xfrm>
           <a:prstGeom prst="rect">
             <a:avLst/>
           </a:prstGeom>
+          <a:noFill/>
+          <a:ln>
+            <a:noFill/>
+          </a:ln>
+          <a:effectLst/>
+          <a:extLst>
+            <a:ext uri="{909E8E84-426E-40DD-AFC4-6F175D3DCCD1}">
+              <a14:hiddenFill xmlns:a14="http://schemas.microsoft.com/office/drawing/2010/main">
+                <a:solidFill>
+                  <a:schemeClr val="accent1"/>
+                </a:solidFill>
+              </a14:hiddenFill>
+            </a:ext>
+            <a:ext uri="{91240B29-F687-4F45-9708-019B960494DF}">
+              <a14:hiddenLine xmlns:a14="http://schemas.microsoft.com/office/drawing/2010/main" w="9525">
+                <a:solidFill>
+                  <a:schemeClr val="tx1"/>
+                </a:solidFill>
+                <a:miter lim="800000"/>
+                <a:headEnd/>
+                <a:tailEnd/>
+              </a14:hiddenLine>
+            </a:ext>
+            <a:ext uri="{AF507438-7753-43E0-B8FC-AC1667EBCBE1}">
+              <a14:hiddenEffects xmlns:a14="http://schemas.microsoft.com/office/drawing/2010/main">
+                <a:effectLst>
+                  <a:outerShdw dist="35921" dir="2700000" algn="ctr" rotWithShape="0">
+                    <a:schemeClr val="bg2"/>
+                  </a:outerShdw>
+                </a:effectLst>
+              </a14:hiddenEffects>
+            </a:ext>
+          </a:extLst>
         </p:spPr>
       </p:pic>
     </p:spTree>
     <p:extLst>
       <p:ext uri="{BB962C8B-B14F-4D97-AF65-F5344CB8AC3E}">
-        <p14:creationId xmlns:p14="http://schemas.microsoft.com/office/powerpoint/2010/main" val="172104806"/>
+        <p14:creationId xmlns:p14="http://schemas.microsoft.com/office/powerpoint/2010/main" val="1296695559"/>
       </p:ext>
     </p:extLst>
   </p:cSld>
@@ -3528,147 +5243,74 @@
           <a:chExt cx="0" cy="0"/>
         </a:xfrm>
       </p:grpSpPr>
-      <p:sp>
-        <p:nvSpPr>
-          <p:cNvPr id="2" name="제목 1">
-            <a:extLst>
-              <a:ext uri="{FF2B5EF4-FFF2-40B4-BE49-F238E27FC236}">
-                <a16:creationId xmlns:a16="http://schemas.microsoft.com/office/drawing/2014/main" id="{9BDACF14-C730-B337-95F5-AE2C5F9DEFA4}"/>
-              </a:ext>
-            </a:extLst>
-          </p:cNvPr>
-          <p:cNvSpPr>
-            <a:spLocks noGrp="1"/>
-          </p:cNvSpPr>
-          <p:nvPr>
-            <p:ph type="title"/>
-          </p:nvPr>
-        </p:nvSpPr>
-        <p:spPr>
+      <p:pic>
+        <p:nvPicPr>
+          <p:cNvPr id="1027" name="Picture 3"/>
+          <p:cNvPicPr>
+            <a:picLocks noChangeAspect="1" noChangeArrowheads="1"/>
+          </p:cNvPicPr>
+          <p:nvPr/>
+        </p:nvPicPr>
+        <p:blipFill>
+          <a:blip r:embed="rId2">
+            <a:extLst>
+              <a:ext uri="{28A0092B-C50C-407E-A947-70E740481C1C}">
+                <a14:useLocalDpi xmlns:a14="http://schemas.microsoft.com/office/drawing/2010/main" val="0"/>
+              </a:ext>
+            </a:extLst>
+          </a:blip>
+          <a:srcRect/>
+          <a:stretch>
+            <a:fillRect/>
+          </a:stretch>
+        </p:blipFill>
+        <p:spPr bwMode="auto">
           <a:xfrm>
-            <a:off x="838200" y="365125"/>
-            <a:ext cx="9555178" cy="748451"/>
+            <a:off x="203199" y="248180"/>
+            <a:ext cx="11626131" cy="6271154"/>
           </a:xfrm>
+          <a:prstGeom prst="rect">
+            <a:avLst/>
+          </a:prstGeom>
+          <a:noFill/>
+          <a:ln>
+            <a:noFill/>
+          </a:ln>
+          <a:effectLst/>
+          <a:extLst>
+            <a:ext uri="{909E8E84-426E-40DD-AFC4-6F175D3DCCD1}">
+              <a14:hiddenFill xmlns:a14="http://schemas.microsoft.com/office/drawing/2010/main">
+                <a:solidFill>
+                  <a:schemeClr val="accent1"/>
+                </a:solidFill>
+              </a14:hiddenFill>
+            </a:ext>
+            <a:ext uri="{91240B29-F687-4F45-9708-019B960494DF}">
+              <a14:hiddenLine xmlns:a14="http://schemas.microsoft.com/office/drawing/2010/main" w="9525">
+                <a:solidFill>
+                  <a:schemeClr val="tx1"/>
+                </a:solidFill>
+                <a:miter lim="800000"/>
+                <a:headEnd/>
+                <a:tailEnd/>
+              </a14:hiddenLine>
+            </a:ext>
+            <a:ext uri="{AF507438-7753-43E0-B8FC-AC1667EBCBE1}">
+              <a14:hiddenEffects xmlns:a14="http://schemas.microsoft.com/office/drawing/2010/main">
+                <a:effectLst>
+                  <a:outerShdw dist="35921" dir="2700000" algn="ctr" rotWithShape="0">
+                    <a:schemeClr val="bg2"/>
+                  </a:outerShdw>
+                </a:effectLst>
+              </a14:hiddenEffects>
+            </a:ext>
+          </a:extLst>
         </p:spPr>
-        <p:txBody>
-          <a:bodyPr>
-            <a:normAutofit/>
-          </a:bodyPr>
-          <a:lstStyle/>
-          <a:p>
-            <a:r>
-              <a:rPr lang="en-US" altLang="ko-KR" sz="3600" dirty="0"/>
-              <a:t>1.</a:t>
-            </a:r>
-            <a:r>
-              <a:rPr lang="ko-KR" altLang="en-US" sz="3600" dirty="0"/>
-              <a:t> 학생 문제 풀이 </a:t>
-            </a:r>
-          </a:p>
-        </p:txBody>
-      </p:sp>
-      <p:sp>
-        <p:nvSpPr>
-          <p:cNvPr id="3" name="내용 개체 틀 2">
-            <a:extLst>
-              <a:ext uri="{FF2B5EF4-FFF2-40B4-BE49-F238E27FC236}">
-                <a16:creationId xmlns:a16="http://schemas.microsoft.com/office/drawing/2014/main" id="{D36273F3-486F-2874-6B64-F9C4606B7113}"/>
-              </a:ext>
-            </a:extLst>
-          </p:cNvPr>
-          <p:cNvSpPr>
-            <a:spLocks noGrp="1"/>
-          </p:cNvSpPr>
-          <p:nvPr>
-            <p:ph idx="1"/>
-          </p:nvPr>
-        </p:nvSpPr>
-        <p:spPr>
-          <a:xfrm>
-            <a:off x="838200" y="1837853"/>
-            <a:ext cx="10515600" cy="4339110"/>
-          </a:xfrm>
-        </p:spPr>
-        <p:txBody>
-          <a:bodyPr>
-            <a:normAutofit/>
-          </a:bodyPr>
-          <a:lstStyle/>
-          <a:p>
-            <a:r>
-              <a:rPr lang="ko-KR" altLang="en-US" sz="2000" dirty="0"/>
-              <a:t>학생은 태블릿을 통해 문제를 풀고 결과</a:t>
-            </a:r>
-            <a:r>
-              <a:rPr lang="en-US" altLang="ko-KR" sz="2000" dirty="0"/>
-              <a:t>(</a:t>
-            </a:r>
-            <a:r>
-              <a:rPr lang="ko-KR" altLang="en-US" sz="2000" dirty="0"/>
-              <a:t>정답</a:t>
-            </a:r>
-            <a:r>
-              <a:rPr lang="en-US" altLang="ko-KR" sz="2000" dirty="0"/>
-              <a:t>/</a:t>
-            </a:r>
-            <a:r>
-              <a:rPr lang="ko-KR" altLang="en-US" sz="2000" dirty="0"/>
-              <a:t>오답</a:t>
-            </a:r>
-            <a:r>
-              <a:rPr lang="en-US" altLang="ko-KR" sz="2000" dirty="0"/>
-              <a:t>)</a:t>
-            </a:r>
-            <a:r>
-              <a:rPr lang="ko-KR" altLang="en-US" sz="2000" dirty="0"/>
-              <a:t>를 데이터로 확보</a:t>
-            </a:r>
-            <a:endParaRPr lang="en-US" altLang="ko-KR" sz="2000" dirty="0"/>
-          </a:p>
-          <a:p>
-            <a:pPr marL="0" indent="0">
-              <a:buNone/>
-            </a:pPr>
-            <a:r>
-              <a:rPr lang="en-US" altLang="ko-KR" sz="2000" dirty="0"/>
-              <a:t>Ex) </a:t>
-            </a:r>
-            <a:r>
-              <a:rPr lang="en-US" altLang="ko-KR" sz="1400" dirty="0"/>
-              <a:t>{ "</a:t>
-            </a:r>
-            <a:r>
-              <a:rPr lang="en-US" altLang="ko-KR" sz="1400" dirty="0" err="1"/>
-              <a:t>student_id</a:t>
-            </a:r>
-            <a:r>
-              <a:rPr lang="en-US" altLang="ko-KR" sz="1400" dirty="0"/>
-              <a:t>": “0000", "</a:t>
-            </a:r>
-            <a:r>
-              <a:rPr lang="en-US" altLang="ko-KR" sz="1400" dirty="0" err="1"/>
-              <a:t>q_id</a:t>
-            </a:r>
-            <a:r>
-              <a:rPr lang="en-US" altLang="ko-KR" sz="1400" dirty="0"/>
-              <a:t>": "67890", "response": "</a:t>
-            </a:r>
-            <a:r>
-              <a:rPr lang="ko-KR" altLang="en-US" sz="1400" dirty="0"/>
-              <a:t>학생의 답변</a:t>
-            </a:r>
-            <a:r>
-              <a:rPr lang="en-US" altLang="ko-KR" sz="1400" dirty="0"/>
-              <a:t>" }</a:t>
-            </a:r>
-            <a:endParaRPr lang="en-US" altLang="ko-KR" sz="2000" dirty="0"/>
-          </a:p>
-        </p:txBody>
-      </p:sp>
+      </p:pic>
     </p:spTree>
     <p:extLst>
       <p:ext uri="{BB962C8B-B14F-4D97-AF65-F5344CB8AC3E}">
-        <p14:creationId xmlns:p14="http://schemas.microsoft.com/office/powerpoint/2010/main" val="1649759649"/>
+        <p14:creationId xmlns:p14="http://schemas.microsoft.com/office/powerpoint/2010/main" val="172104806"/>
       </p:ext>
     </p:extLst>
   </p:cSld>
@@ -3683,13 +5325,7 @@
   <p:cSld>
     <p:spTree>
       <p:nvGrpSpPr>
-        <p:cNvPr id="1" name="">
-          <a:extLst>
-            <a:ext uri="{FF2B5EF4-FFF2-40B4-BE49-F238E27FC236}">
-              <a16:creationId xmlns:a16="http://schemas.microsoft.com/office/drawing/2014/main" id="{B63206EA-A78E-F129-1CBB-C9219BA375F7}"/>
-            </a:ext>
-          </a:extLst>
-        </p:cNvPr>
+        <p:cNvPr id="1" name=""/>
         <p:cNvGrpSpPr/>
         <p:nvPr/>
       </p:nvGrpSpPr>
@@ -3706,7 +5342,7 @@
           <p:cNvPr id="2" name="제목 1">
             <a:extLst>
               <a:ext uri="{FF2B5EF4-FFF2-40B4-BE49-F238E27FC236}">
-                <a16:creationId xmlns:a16="http://schemas.microsoft.com/office/drawing/2014/main" id="{6B382C74-E0C9-6E89-DE9A-3392DAA48DE2}"/>
+                <a16:creationId xmlns:a16="http://schemas.microsoft.com/office/drawing/2014/main" xmlns="" id="{9BDACF14-C730-B337-95F5-AE2C5F9DEFA4}"/>
               </a:ext>
             </a:extLst>
           </p:cNvPr>
@@ -3731,20 +5367,29 @@
           <a:p>
             <a:r>
               <a:rPr lang="en-US" altLang="ko-KR" sz="3600" dirty="0"/>
-              <a:t>2.</a:t>
+              <a:t>1.</a:t>
             </a:r>
             <a:r>
               <a:rPr lang="ko-KR" altLang="en-US" sz="3600" dirty="0"/>
               <a:t> </a:t>
             </a:r>
             <a:r>
-              <a:rPr lang="en-US" altLang="ko-KR" sz="3600" dirty="0"/>
-              <a:t>API Gateway, Lambda </a:t>
-            </a:r>
-            <a:r>
-              <a:rPr lang="ko-KR" altLang="en-US" sz="3600" dirty="0"/>
-              <a:t>호출</a:t>
-            </a:r>
+              <a:rPr lang="ko-KR" altLang="en-US" sz="3600" dirty="0" smtClean="0"/>
+              <a:t>초기 </a:t>
+            </a:r>
+            <a:r>
+              <a:rPr lang="el-GR" altLang="ko-KR" sz="3600" dirty="0" smtClean="0"/>
+              <a:t>θ</a:t>
+            </a:r>
+            <a:r>
+              <a:rPr lang="en-US" altLang="ko-KR" sz="3600" dirty="0" smtClean="0"/>
+              <a:t> </a:t>
+            </a:r>
+            <a:r>
+              <a:rPr lang="ko-KR" altLang="en-US" sz="3600" dirty="0" smtClean="0"/>
+              <a:t>값 저장</a:t>
+            </a:r>
+            <a:endParaRPr lang="ko-KR" altLang="en-US" sz="3600" dirty="0"/>
           </a:p>
         </p:txBody>
       </p:sp>
@@ -3753,7 +5398,7 @@
           <p:cNvPr id="3" name="내용 개체 틀 2">
             <a:extLst>
               <a:ext uri="{FF2B5EF4-FFF2-40B4-BE49-F238E27FC236}">
-                <a16:creationId xmlns:a16="http://schemas.microsoft.com/office/drawing/2014/main" id="{FE7456AA-CD83-B0C1-3FF5-C5BC8E8A1335}"/>
+                <a16:creationId xmlns:a16="http://schemas.microsoft.com/office/drawing/2014/main" xmlns="" id="{D36273F3-486F-2874-6B64-F9C4606B7113}"/>
               </a:ext>
             </a:extLst>
           </p:cNvPr>
@@ -3778,70 +5423,135 @@
           <a:p>
             <a:r>
               <a:rPr lang="en-US" altLang="ko-KR" sz="2000" dirty="0"/>
-              <a:t>API Gateway</a:t>
+              <a:t>API Gateway, Lambda, </a:t>
+            </a:r>
+            <a:r>
+              <a:rPr lang="en-US" altLang="ko-KR" sz="2000" dirty="0" smtClean="0"/>
+              <a:t>RDS</a:t>
+            </a:r>
+          </a:p>
+          <a:p>
+            <a:endParaRPr lang="en-US" altLang="ko-KR" sz="2000" dirty="0"/>
+          </a:p>
+          <a:p>
+            <a:r>
+              <a:rPr lang="ko-KR" altLang="en-US" sz="2000" dirty="0"/>
+              <a:t>학생이 초기 접속을 시도하면</a:t>
+            </a:r>
+            <a:r>
+              <a:rPr lang="en-US" altLang="ko-KR" sz="2000" dirty="0"/>
+              <a:t>, API Gateway</a:t>
             </a:r>
             <a:r>
               <a:rPr lang="ko-KR" altLang="en-US" sz="2000" dirty="0"/>
               <a:t>가 </a:t>
             </a:r>
             <a:r>
-              <a:rPr lang="ko-KR" altLang="en-US" sz="2000" dirty="0" err="1"/>
-              <a:t>태블릿으로부터</a:t>
-            </a:r>
-            <a:r>
-              <a:rPr lang="ko-KR" altLang="en-US" sz="2000" dirty="0"/>
-              <a:t> 받은 </a:t>
-            </a:r>
-            <a:r>
-              <a:rPr lang="en-US" altLang="ko-KR" sz="2000" dirty="0"/>
-              <a:t>HTTP </a:t>
-            </a:r>
-            <a:r>
-              <a:rPr lang="ko-KR" altLang="en-US" sz="2000" dirty="0"/>
-              <a:t>요청을 </a:t>
-            </a:r>
-            <a:r>
-              <a:rPr lang="en-US" altLang="ko-KR" sz="2000" dirty="0"/>
-              <a:t>Lambda </a:t>
-            </a:r>
-            <a:r>
-              <a:rPr lang="ko-KR" altLang="en-US" sz="2000" dirty="0"/>
-              <a:t>함수로 전달</a:t>
-            </a:r>
-            <a:endParaRPr lang="en-US" altLang="ko-KR" sz="2000" dirty="0"/>
-          </a:p>
-          <a:p>
-            <a:endParaRPr lang="en-US" altLang="ko-KR" sz="2000" dirty="0"/>
-          </a:p>
-          <a:p>
-            <a:pPr marL="0" indent="0">
-              <a:buNone/>
-            </a:pPr>
-            <a:endParaRPr lang="en-US" altLang="ko-KR" sz="2000" dirty="0"/>
-          </a:p>
-          <a:p>
-            <a:endParaRPr lang="en-US" altLang="ko-KR" sz="2000" dirty="0"/>
-          </a:p>
-          <a:p>
-            <a:r>
               <a:rPr lang="en-US" altLang="ko-KR" sz="2000" dirty="0"/>
               <a:t>Lambda</a:t>
             </a:r>
             <a:r>
               <a:rPr lang="ko-KR" altLang="en-US" sz="2000" dirty="0"/>
-              <a:t>는 이 데이터를 바탕으로 학생의 능력 수준을 추정하기 위해 </a:t>
-            </a:r>
-            <a:r>
-              <a:rPr lang="en-US" altLang="ko-KR" sz="2000" dirty="0" err="1"/>
-              <a:t>SageMaker</a:t>
-            </a:r>
+              <a:t>로 데이터를 </a:t>
+            </a:r>
+            <a:r>
+              <a:rPr lang="ko-KR" altLang="en-US" sz="2000" dirty="0" smtClean="0"/>
+              <a:t>전달</a:t>
+            </a:r>
+            <a:endParaRPr lang="en-US" altLang="ko-KR" sz="2000" dirty="0" smtClean="0"/>
+          </a:p>
+          <a:p>
             <a:r>
               <a:rPr lang="en-US" altLang="ko-KR" sz="2000" dirty="0"/>
-              <a:t> Endpoint</a:t>
+              <a:t>Lambda</a:t>
             </a:r>
             <a:r>
               <a:rPr lang="ko-KR" altLang="en-US" sz="2000" dirty="0"/>
-              <a:t>에 요청을 보냄</a:t>
+              <a:t>는 학생의 초기 </a:t>
+            </a:r>
+            <a:r>
+              <a:rPr lang="en-US" altLang="ko-KR" sz="2000" dirty="0"/>
+              <a:t>θ </a:t>
+            </a:r>
+            <a:r>
+              <a:rPr lang="ko-KR" altLang="en-US" sz="2000" dirty="0"/>
+              <a:t>값을 설정하고</a:t>
+            </a:r>
+            <a:r>
+              <a:rPr lang="en-US" altLang="ko-KR" sz="2000" dirty="0"/>
+              <a:t>, </a:t>
+            </a:r>
+            <a:r>
+              <a:rPr lang="ko-KR" altLang="en-US" sz="2000" dirty="0"/>
+              <a:t>이를 </a:t>
+            </a:r>
+            <a:r>
+              <a:rPr lang="en-US" altLang="ko-KR" sz="2000" dirty="0"/>
+              <a:t>RDS</a:t>
+            </a:r>
+            <a:r>
+              <a:rPr lang="ko-KR" altLang="en-US" sz="2000" dirty="0"/>
+              <a:t>에 저장하여 이후 문제 출제에 </a:t>
+            </a:r>
+            <a:r>
+              <a:rPr lang="ko-KR" altLang="en-US" sz="2000" dirty="0" smtClean="0"/>
+              <a:t>활용</a:t>
+            </a:r>
+            <a:endParaRPr lang="en-US" altLang="ko-KR" sz="2000" dirty="0" smtClean="0"/>
+          </a:p>
+          <a:p>
+            <a:endParaRPr lang="en-US" altLang="ko-KR" sz="2000" dirty="0"/>
+          </a:p>
+          <a:p>
+            <a:r>
+              <a:rPr lang="ko-KR" altLang="en-US" sz="2000" b="1" dirty="0"/>
+              <a:t>결과</a:t>
+            </a:r>
+            <a:r>
+              <a:rPr lang="en-US" altLang="ko-KR" sz="2000" dirty="0"/>
+              <a:t>: RDS</a:t>
+            </a:r>
+            <a:r>
+              <a:rPr lang="ko-KR" altLang="en-US" sz="2000" dirty="0"/>
+              <a:t>에 </a:t>
+            </a:r>
+            <a:r>
+              <a:rPr lang="ko-KR" altLang="en-US" sz="2000" dirty="0" err="1"/>
+              <a:t>학생별로</a:t>
+            </a:r>
+            <a:r>
+              <a:rPr lang="ko-KR" altLang="en-US" sz="2000" dirty="0"/>
+              <a:t> 초기 </a:t>
+            </a:r>
+            <a:r>
+              <a:rPr lang="en-US" altLang="ko-KR" sz="2000" dirty="0"/>
+              <a:t>θ </a:t>
+            </a:r>
+            <a:r>
+              <a:rPr lang="ko-KR" altLang="en-US" sz="2000" dirty="0"/>
+              <a:t>값이 </a:t>
+            </a:r>
+            <a:r>
+              <a:rPr lang="ko-KR" altLang="en-US" sz="2000" dirty="0" smtClean="0"/>
+              <a:t>저장</a:t>
+            </a:r>
+            <a:endParaRPr lang="en-US" altLang="ko-KR" sz="2000" dirty="0" smtClean="0"/>
+          </a:p>
+          <a:p>
+            <a:endParaRPr lang="en-US" altLang="ko-KR" sz="2000" dirty="0"/>
+          </a:p>
+          <a:p>
+            <a:r>
+              <a:rPr lang="el-GR" altLang="ko-KR" sz="2000" dirty="0" smtClean="0"/>
+              <a:t>Θ</a:t>
+            </a:r>
+            <a:r>
+              <a:rPr lang="en-US" altLang="ko-KR" sz="2000" dirty="0" smtClean="0"/>
+              <a:t> : </a:t>
+            </a:r>
+            <a:r>
+              <a:rPr lang="ko-KR" altLang="en-US" sz="2000" dirty="0" smtClean="0"/>
+              <a:t>학생 수준</a:t>
             </a:r>
             <a:endParaRPr lang="en-US" altLang="ko-KR" sz="2000" dirty="0"/>
           </a:p>
@@ -3850,7 +5560,7 @@
     </p:spTree>
     <p:extLst>
       <p:ext uri="{BB962C8B-B14F-4D97-AF65-F5344CB8AC3E}">
-        <p14:creationId xmlns:p14="http://schemas.microsoft.com/office/powerpoint/2010/main" val="2588355822"/>
+        <p14:creationId xmlns:p14="http://schemas.microsoft.com/office/powerpoint/2010/main" val="1649759649"/>
       </p:ext>
     </p:extLst>
   </p:cSld>
@@ -3868,7 +5578,7 @@
         <p:cNvPr id="1" name="">
           <a:extLst>
             <a:ext uri="{FF2B5EF4-FFF2-40B4-BE49-F238E27FC236}">
-              <a16:creationId xmlns:a16="http://schemas.microsoft.com/office/drawing/2014/main" id="{3486BBB0-80B9-1777-4BED-EFC6441E00C0}"/>
+              <a16:creationId xmlns:a16="http://schemas.microsoft.com/office/drawing/2014/main" xmlns="" id="{B63206EA-A78E-F129-1CBB-C9219BA375F7}"/>
             </a:ext>
           </a:extLst>
         </p:cNvPr>
@@ -3888,7 +5598,7 @@
           <p:cNvPr id="2" name="제목 1">
             <a:extLst>
               <a:ext uri="{FF2B5EF4-FFF2-40B4-BE49-F238E27FC236}">
-                <a16:creationId xmlns:a16="http://schemas.microsoft.com/office/drawing/2014/main" id="{7ECFA1E7-6B06-333A-E70B-69A480E0C447}"/>
+                <a16:creationId xmlns:a16="http://schemas.microsoft.com/office/drawing/2014/main" xmlns="" id="{6B382C74-E0C9-6E89-DE9A-3392DAA48DE2}"/>
               </a:ext>
             </a:extLst>
           </p:cNvPr>
@@ -3913,24 +5623,17 @@
           <a:p>
             <a:r>
               <a:rPr lang="en-US" altLang="ko-KR" sz="3600" dirty="0"/>
-              <a:t>3.</a:t>
+              <a:t>2.</a:t>
             </a:r>
             <a:r>
               <a:rPr lang="ko-KR" altLang="en-US" sz="3600" dirty="0"/>
               <a:t> </a:t>
             </a:r>
             <a:r>
-              <a:rPr lang="en-US" altLang="ko-KR" sz="3600" dirty="0" err="1"/>
-              <a:t>SageMaker</a:t>
-            </a:r>
-            <a:r>
-              <a:rPr lang="en-US" altLang="ko-KR" sz="3600" dirty="0"/>
-              <a:t> Endpoint </a:t>
-            </a:r>
-            <a:r>
-              <a:rPr lang="ko-KR" altLang="en-US" sz="3600" dirty="0"/>
-              <a:t>호출</a:t>
-            </a:r>
+              <a:rPr lang="ko-KR" altLang="en-US" sz="3600" dirty="0" smtClean="0"/>
+              <a:t>사전 문제 풀이</a:t>
+            </a:r>
+            <a:endParaRPr lang="ko-KR" altLang="en-US" sz="3600" dirty="0"/>
           </a:p>
         </p:txBody>
       </p:sp>
@@ -3939,7 +5642,7 @@
           <p:cNvPr id="3" name="내용 개체 틀 2">
             <a:extLst>
               <a:ext uri="{FF2B5EF4-FFF2-40B4-BE49-F238E27FC236}">
-                <a16:creationId xmlns:a16="http://schemas.microsoft.com/office/drawing/2014/main" id="{4EA59989-1737-1B23-E810-714CB0ABDED0}"/>
+                <a16:creationId xmlns:a16="http://schemas.microsoft.com/office/drawing/2014/main" xmlns="" id="{FE7456AA-CD83-B0C1-3FF5-C5BC8E8A1335}"/>
               </a:ext>
             </a:extLst>
           </p:cNvPr>
@@ -3964,23 +5667,130 @@
           <a:p>
             <a:r>
               <a:rPr lang="en-US" altLang="ko-KR" sz="2000" dirty="0"/>
+              <a:t>API Gateway, Lambda, </a:t>
+            </a:r>
+            <a:r>
+              <a:rPr lang="en-US" altLang="ko-KR" sz="2000" dirty="0" smtClean="0"/>
+              <a:t>RDS</a:t>
+            </a:r>
+          </a:p>
+          <a:p>
+            <a:endParaRPr lang="en-US" altLang="ko-KR" sz="2000" dirty="0"/>
+          </a:p>
+          <a:p>
+            <a:r>
+              <a:rPr lang="ko-KR" altLang="en-US" sz="2000" dirty="0" smtClean="0"/>
+              <a:t>학생의 초기 </a:t>
+            </a:r>
+            <a:r>
+              <a:rPr lang="el-GR" altLang="ko-KR" sz="2000" dirty="0" smtClean="0"/>
+              <a:t>Θ</a:t>
+            </a:r>
+            <a:r>
+              <a:rPr lang="ko-KR" altLang="en-US" sz="2000" dirty="0" err="1" smtClean="0"/>
+              <a:t>으로</a:t>
+            </a:r>
+            <a:r>
+              <a:rPr lang="ko-KR" altLang="en-US" sz="2000" dirty="0" smtClean="0"/>
+              <a:t> </a:t>
+            </a:r>
+            <a:r>
+              <a:rPr lang="ko-KR" altLang="en-US" sz="2000" dirty="0" err="1" smtClean="0"/>
+              <a:t>부터</a:t>
+            </a:r>
+            <a:r>
+              <a:rPr lang="ko-KR" altLang="en-US" sz="2000" dirty="0" smtClean="0"/>
+              <a:t> 사전문제를 풀리고 수준을 체크하기 위한 단계</a:t>
+            </a:r>
+            <a:endParaRPr lang="en-US" altLang="ko-KR" sz="2000" dirty="0" smtClean="0"/>
+          </a:p>
+          <a:p>
+            <a:endParaRPr lang="en-US" altLang="ko-KR" sz="2000" dirty="0"/>
+          </a:p>
+          <a:p>
+            <a:r>
+              <a:rPr lang="ko-KR" altLang="en-US" sz="2000" dirty="0" smtClean="0"/>
+              <a:t>학생이 </a:t>
+            </a:r>
+            <a:r>
+              <a:rPr lang="ko-KR" altLang="en-US" sz="2000" dirty="0"/>
+              <a:t>사전 문제를 풀고 응답을 제출하면</a:t>
+            </a:r>
+            <a:r>
+              <a:rPr lang="en-US" altLang="ko-KR" sz="2000" dirty="0"/>
+              <a:t>, API Gateway</a:t>
+            </a:r>
+            <a:r>
+              <a:rPr lang="ko-KR" altLang="en-US" sz="2000" dirty="0"/>
+              <a:t>가 이를 </a:t>
+            </a:r>
+            <a:r>
+              <a:rPr lang="en-US" altLang="ko-KR" sz="2000" dirty="0"/>
               <a:t>Lambda</a:t>
             </a:r>
             <a:r>
               <a:rPr lang="ko-KR" altLang="en-US" sz="2000" dirty="0"/>
-              <a:t>는 </a:t>
-            </a:r>
-            <a:r>
-              <a:rPr lang="en-US" altLang="ko-KR" sz="2000" dirty="0" err="1"/>
-              <a:t>SageMaker</a:t>
-            </a:r>
+              <a:t>로 전달</a:t>
+            </a:r>
+            <a:endParaRPr lang="en-US" altLang="ko-KR" sz="2000" dirty="0"/>
+          </a:p>
+          <a:p>
+            <a:endParaRPr lang="en-US" altLang="ko-KR" sz="2000" dirty="0"/>
+          </a:p>
+          <a:p>
             <a:r>
               <a:rPr lang="en-US" altLang="ko-KR" sz="2000" dirty="0"/>
-              <a:t> Endpoint</a:t>
+              <a:t>Lambda</a:t>
             </a:r>
             <a:r>
               <a:rPr lang="ko-KR" altLang="en-US" sz="2000" dirty="0"/>
-              <a:t>에 학생의 응답 데이터를 전송하고</a:t>
+              <a:t>는 학생의 응답 데이터를 </a:t>
+            </a:r>
+            <a:r>
+              <a:rPr lang="en-US" altLang="ko-KR" sz="2000" dirty="0"/>
+              <a:t>RDS</a:t>
+            </a:r>
+            <a:r>
+              <a:rPr lang="ko-KR" altLang="en-US" sz="2000" dirty="0"/>
+              <a:t>에 저장하여 </a:t>
+            </a:r>
+            <a:r>
+              <a:rPr lang="en-US" altLang="ko-KR" sz="2000" dirty="0"/>
+              <a:t>θ </a:t>
+            </a:r>
+            <a:r>
+              <a:rPr lang="ko-KR" altLang="en-US" sz="2000" dirty="0"/>
+              <a:t>추정을 위한 </a:t>
+            </a:r>
+            <a:r>
+              <a:rPr lang="ko-KR" altLang="en-US" sz="2000" dirty="0" smtClean="0"/>
+              <a:t>데이터 확보</a:t>
+            </a:r>
+            <a:endParaRPr lang="en-US" altLang="ko-KR" sz="2000" dirty="0"/>
+          </a:p>
+          <a:p>
+            <a:endParaRPr lang="en-US" altLang="ko-KR" sz="2000" dirty="0" smtClean="0"/>
+          </a:p>
+          <a:p>
+            <a:r>
+              <a:rPr lang="ko-KR" altLang="en-US" sz="2000" b="1" dirty="0"/>
+              <a:t>결과</a:t>
+            </a:r>
+            <a:r>
+              <a:rPr lang="en-US" altLang="ko-KR" sz="2000" dirty="0"/>
+              <a:t>: </a:t>
+            </a:r>
+            <a:r>
+              <a:rPr lang="ko-KR" altLang="en-US" sz="2000" dirty="0"/>
+              <a:t>사전 문제 응답이 </a:t>
+            </a:r>
+            <a:r>
+              <a:rPr lang="en-US" altLang="ko-KR" sz="2000" dirty="0"/>
+              <a:t>RDS</a:t>
+            </a:r>
+            <a:r>
+              <a:rPr lang="ko-KR" altLang="en-US" sz="2000" dirty="0"/>
+              <a:t>에 기록되며</a:t>
             </a:r>
             <a:r>
               <a:rPr lang="en-US" altLang="ko-KR" sz="2000" dirty="0"/>
@@ -3988,80 +5798,26 @@
             </a:r>
             <a:r>
               <a:rPr lang="ko-KR" altLang="en-US" sz="2000" dirty="0"/>
-              <a:t>학생의 현재 능력 수준을 예측</a:t>
-            </a:r>
-            <a:endParaRPr lang="en-US" altLang="ko-KR" sz="2000" dirty="0"/>
-          </a:p>
-          <a:p>
-            <a:endParaRPr lang="en-US" altLang="ko-KR" sz="2000" dirty="0"/>
+              <a:t>초기 </a:t>
+            </a:r>
+            <a:r>
+              <a:rPr lang="en-US" altLang="ko-KR" sz="2000" dirty="0"/>
+              <a:t>θ </a:t>
+            </a:r>
+            <a:r>
+              <a:rPr lang="ko-KR" altLang="en-US" sz="2000" dirty="0"/>
+              <a:t>값을 추정하기 위한 </a:t>
+            </a:r>
+            <a:r>
+              <a:rPr lang="ko-KR" altLang="en-US" sz="2000" dirty="0" smtClean="0"/>
+              <a:t>데이터를 확보</a:t>
+            </a:r>
+            <a:endParaRPr lang="en-US" altLang="ko-KR" sz="2000" dirty="0" smtClean="0"/>
           </a:p>
           <a:p>
             <a:pPr marL="0" indent="0">
               <a:buNone/>
             </a:pPr>
-            <a:endParaRPr lang="en-US" altLang="ko-KR" sz="2000" dirty="0"/>
-          </a:p>
-          <a:p>
-            <a:r>
-              <a:rPr lang="en-US" altLang="ko-KR" sz="2000" dirty="0" err="1"/>
-              <a:t>SageMaker</a:t>
-            </a:r>
-            <a:r>
-              <a:rPr lang="en-US" altLang="ko-KR" sz="2000" dirty="0"/>
-              <a:t> </a:t>
-            </a:r>
-            <a:r>
-              <a:rPr lang="ko-KR" altLang="en-US" sz="2000" dirty="0"/>
-              <a:t>모델은 문항반응이론</a:t>
-            </a:r>
-            <a:r>
-              <a:rPr lang="en-US" altLang="ko-KR" sz="2000" dirty="0"/>
-              <a:t>(IRT)</a:t>
-            </a:r>
-            <a:r>
-              <a:rPr lang="ko-KR" altLang="en-US" sz="2000" dirty="0"/>
-              <a:t> 등을 사용해 학생의 능력 수준을 추정하며</a:t>
-            </a:r>
-            <a:r>
-              <a:rPr lang="en-US" altLang="ko-KR" sz="2000" dirty="0"/>
-              <a:t>, </a:t>
-            </a:r>
-            <a:r>
-              <a:rPr lang="ko-KR" altLang="en-US" sz="2000" dirty="0"/>
-              <a:t>예측된 능력 수준</a:t>
-            </a:r>
-            <a:r>
-              <a:rPr lang="en-US" altLang="ko-KR" sz="2000" dirty="0"/>
-              <a:t>(</a:t>
-            </a:r>
-            <a:r>
-              <a:rPr lang="ko-KR" altLang="en-US" sz="2000" dirty="0"/>
-              <a:t>예</a:t>
-            </a:r>
-            <a:r>
-              <a:rPr lang="en-US" altLang="ko-KR" sz="2000" dirty="0"/>
-              <a:t>: </a:t>
-            </a:r>
-            <a:r>
-              <a:rPr lang="ko-KR" altLang="en-US" sz="2000" dirty="0"/>
-              <a:t>능력 지수</a:t>
-            </a:r>
-            <a:r>
-              <a:rPr lang="en-US" altLang="ko-KR" sz="2000" dirty="0"/>
-              <a:t>)</a:t>
-            </a:r>
-            <a:r>
-              <a:rPr lang="ko-KR" altLang="en-US" sz="2000" dirty="0"/>
-              <a:t>을 </a:t>
-            </a:r>
-            <a:r>
-              <a:rPr lang="en-US" altLang="ko-KR" sz="2000" dirty="0"/>
-              <a:t>Lambda</a:t>
-            </a:r>
-            <a:r>
-              <a:rPr lang="ko-KR" altLang="en-US" sz="2000" dirty="0"/>
-              <a:t>에 반환</a:t>
-            </a:r>
             <a:endParaRPr lang="en-US" altLang="ko-KR" sz="2000" dirty="0"/>
           </a:p>
         </p:txBody>
@@ -4069,7 +5825,7 @@
     </p:spTree>
     <p:extLst>
       <p:ext uri="{BB962C8B-B14F-4D97-AF65-F5344CB8AC3E}">
-        <p14:creationId xmlns:p14="http://schemas.microsoft.com/office/powerpoint/2010/main" val="34855662"/>
+        <p14:creationId xmlns:p14="http://schemas.microsoft.com/office/powerpoint/2010/main" val="2588355822"/>
       </p:ext>
     </p:extLst>
   </p:cSld>
@@ -4087,7 +5843,7 @@
         <p:cNvPr id="1" name="">
           <a:extLst>
             <a:ext uri="{FF2B5EF4-FFF2-40B4-BE49-F238E27FC236}">
-              <a16:creationId xmlns:a16="http://schemas.microsoft.com/office/drawing/2014/main" id="{F11A9030-1B27-2913-8443-6374C79553C2}"/>
+              <a16:creationId xmlns:a16="http://schemas.microsoft.com/office/drawing/2014/main" xmlns="" id="{3486BBB0-80B9-1777-4BED-EFC6441E00C0}"/>
             </a:ext>
           </a:extLst>
         </p:cNvPr>
@@ -4107,7 +5863,7 @@
           <p:cNvPr id="2" name="제목 1">
             <a:extLst>
               <a:ext uri="{FF2B5EF4-FFF2-40B4-BE49-F238E27FC236}">
-                <a16:creationId xmlns:a16="http://schemas.microsoft.com/office/drawing/2014/main" id="{3992F6E8-51DB-16B4-FE30-5B69304EE2C3}"/>
+                <a16:creationId xmlns:a16="http://schemas.microsoft.com/office/drawing/2014/main" xmlns="" id="{7ECFA1E7-6B06-333A-E70B-69A480E0C447}"/>
               </a:ext>
             </a:extLst>
           </p:cNvPr>
@@ -4132,20 +5888,17 @@
           <a:p>
             <a:r>
               <a:rPr lang="en-US" altLang="ko-KR" sz="3600" dirty="0"/>
-              <a:t>4.</a:t>
+              <a:t>3.</a:t>
             </a:r>
             <a:r>
               <a:rPr lang="ko-KR" altLang="en-US" sz="3600" dirty="0"/>
               <a:t> </a:t>
             </a:r>
             <a:r>
-              <a:rPr lang="en-US" altLang="ko-KR" sz="3600" dirty="0"/>
-              <a:t>RDS</a:t>
-            </a:r>
-            <a:r>
               <a:rPr lang="ko-KR" altLang="en-US" sz="3600" dirty="0"/>
-              <a:t>에 저장 및 분석</a:t>
-            </a:r>
+              <a:t>문제 선택 및 제시</a:t>
+            </a:r>
+            <a:endParaRPr lang="ko-KR" altLang="en-US" sz="3600" dirty="0"/>
           </a:p>
         </p:txBody>
       </p:sp>
@@ -4154,7 +5907,7 @@
           <p:cNvPr id="3" name="내용 개체 틀 2">
             <a:extLst>
               <a:ext uri="{FF2B5EF4-FFF2-40B4-BE49-F238E27FC236}">
-                <a16:creationId xmlns:a16="http://schemas.microsoft.com/office/drawing/2014/main" id="{5A00D705-3049-7D51-1768-174144A3CCD9}"/>
+                <a16:creationId xmlns:a16="http://schemas.microsoft.com/office/drawing/2014/main" xmlns="" id="{4EA59989-1737-1B23-E810-714CB0ABDED0}"/>
               </a:ext>
             </a:extLst>
           </p:cNvPr>
@@ -4178,165 +5931,92 @@
           <a:lstStyle/>
           <a:p>
             <a:r>
+              <a:rPr lang="en-US" altLang="ko-KR" sz="2000" dirty="0"/>
+              <a:t>Lambda, RDS, API Gateway</a:t>
+            </a:r>
+          </a:p>
+          <a:p>
+            <a:r>
+              <a:rPr lang="en-US" altLang="ko-KR" sz="2000" dirty="0" smtClean="0"/>
+              <a:t>Lambda</a:t>
+            </a:r>
+            <a:r>
               <a:rPr lang="ko-KR" altLang="en-US" sz="2000" dirty="0"/>
-              <a:t>추론 결과 저장</a:t>
+              <a:t>는 </a:t>
+            </a:r>
+            <a:r>
+              <a:rPr lang="en-US" altLang="ko-KR" sz="2000" dirty="0"/>
+              <a:t>RDS</a:t>
+            </a:r>
+            <a:r>
+              <a:rPr lang="ko-KR" altLang="en-US" sz="2000" dirty="0"/>
+              <a:t>에 저장된 </a:t>
+            </a:r>
+            <a:r>
+              <a:rPr lang="en-US" altLang="ko-KR" sz="2000" dirty="0"/>
+              <a:t>θ </a:t>
+            </a:r>
+            <a:r>
+              <a:rPr lang="ko-KR" altLang="en-US" sz="2000" dirty="0"/>
+              <a:t>값에 따라 적합한 문제를 조회</a:t>
+            </a:r>
+            <a:endParaRPr lang="en-US" altLang="ko-KR" sz="2000" dirty="0"/>
+          </a:p>
+          <a:p>
+            <a:r>
+              <a:rPr lang="ko-KR" altLang="en-US" sz="2000" dirty="0"/>
+              <a:t>조회된 문제는 </a:t>
+            </a:r>
+            <a:r>
+              <a:rPr lang="en-US" altLang="ko-KR" sz="2000" dirty="0"/>
+              <a:t>API Gateway</a:t>
+            </a:r>
+            <a:r>
+              <a:rPr lang="ko-KR" altLang="en-US" sz="2000" dirty="0"/>
+              <a:t>를 통해 학생에게 </a:t>
+            </a:r>
+            <a:r>
+              <a:rPr lang="ko-KR" altLang="en-US" sz="2000" dirty="0" smtClean="0"/>
+              <a:t>전송</a:t>
+            </a:r>
+            <a:endParaRPr lang="en-US" altLang="ko-KR" sz="2000" dirty="0" smtClean="0"/>
+          </a:p>
+          <a:p>
+            <a:endParaRPr lang="en-US" altLang="ko-KR" sz="2000" dirty="0"/>
+          </a:p>
+          <a:p>
+            <a:r>
+              <a:rPr lang="ko-KR" altLang="en-US" sz="2000" b="1" dirty="0"/>
+              <a:t>결과</a:t>
             </a:r>
             <a:r>
               <a:rPr lang="en-US" altLang="ko-KR" sz="2000" dirty="0"/>
               <a:t>: </a:t>
             </a:r>
-          </a:p>
-          <a:p>
-            <a:pPr lvl="1"/>
+            <a:r>
+              <a:rPr lang="ko-KR" altLang="en-US" sz="2000" dirty="0"/>
+              <a:t>학생의 </a:t>
+            </a:r>
             <a:r>
               <a:rPr lang="en-US" altLang="ko-KR" sz="2000" dirty="0"/>
-              <a:t>Lambda</a:t>
+              <a:t>θ </a:t>
             </a:r>
             <a:r>
               <a:rPr lang="ko-KR" altLang="en-US" sz="2000" dirty="0"/>
-              <a:t>는 </a:t>
-            </a:r>
-            <a:r>
-              <a:rPr lang="en-US" altLang="ko-KR" sz="2000" dirty="0" err="1"/>
-              <a:t>SageMaker</a:t>
+              <a:t>값에 맞춰진 문제를 </a:t>
+            </a:r>
+            <a:r>
+              <a:rPr lang="ko-KR" altLang="en-US" sz="2000" dirty="0" err="1"/>
+              <a:t>태블릿으로</a:t>
             </a:r>
             <a:r>
               <a:rPr lang="ko-KR" altLang="en-US" sz="2000" dirty="0"/>
-              <a:t>로부터 받은 추론 결과</a:t>
-            </a:r>
-            <a:r>
-              <a:rPr lang="en-US" altLang="ko-KR" sz="2000" dirty="0"/>
-              <a:t>(</a:t>
-            </a:r>
-            <a:r>
-              <a:rPr lang="ko-KR" altLang="en-US" sz="2000" dirty="0"/>
-              <a:t>학생의 능력 수준</a:t>
-            </a:r>
-            <a:r>
-              <a:rPr lang="en-US" altLang="ko-KR" sz="2000" dirty="0"/>
-              <a:t>)</a:t>
-            </a:r>
-            <a:r>
-              <a:rPr lang="ko-KR" altLang="en-US" sz="2000" dirty="0"/>
-              <a:t>를 </a:t>
-            </a:r>
-            <a:r>
-              <a:rPr lang="en-US" altLang="ko-KR" sz="2000" dirty="0"/>
-              <a:t>RDS</a:t>
-            </a:r>
-            <a:r>
-              <a:rPr lang="ko-KR" altLang="en-US" sz="2000" dirty="0"/>
-              <a:t>에 기록합니다</a:t>
-            </a:r>
-            <a:r>
-              <a:rPr lang="en-US" altLang="ko-KR" sz="2000" dirty="0"/>
-              <a:t>. </a:t>
-            </a:r>
-            <a:r>
-              <a:rPr lang="ko-KR" altLang="en-US" sz="2000" dirty="0"/>
-              <a:t>이 기록은 학생의 학습 진척도와 문제 풀이 이력을 추적하는 데 사용</a:t>
-            </a:r>
-            <a:endParaRPr lang="en-US" altLang="ko-KR" sz="2000" dirty="0"/>
-          </a:p>
-          <a:p>
-            <a:endParaRPr lang="en-US" altLang="ko-KR" sz="2000" dirty="0"/>
-          </a:p>
-          <a:p>
-            <a:r>
-              <a:rPr lang="ko-KR" altLang="en-US" sz="2000" dirty="0"/>
-              <a:t>적합한 문제 조회</a:t>
-            </a:r>
-            <a:r>
-              <a:rPr lang="en-US" altLang="ko-KR" sz="2000" dirty="0"/>
-              <a:t>:</a:t>
-            </a:r>
-          </a:p>
-          <a:p>
-            <a:pPr lvl="1"/>
-            <a:r>
-              <a:rPr lang="en-US" altLang="ko-KR" sz="2000" dirty="0"/>
-              <a:t>RDS</a:t>
-            </a:r>
-            <a:r>
-              <a:rPr lang="ko-KR" altLang="en-US" sz="2000" dirty="0"/>
-              <a:t>에는 각 문제의 난이도와 관련된 정보가 저장되어 있습니다</a:t>
-            </a:r>
-            <a:r>
-              <a:rPr lang="en-US" altLang="ko-KR" sz="2000" dirty="0"/>
-              <a:t>.</a:t>
-            </a:r>
-          </a:p>
-          <a:p>
-            <a:pPr lvl="1"/>
-            <a:r>
-              <a:rPr lang="en-US" altLang="ko-KR" sz="2000" dirty="0"/>
-              <a:t>Lambda</a:t>
-            </a:r>
-            <a:r>
-              <a:rPr lang="ko-KR" altLang="en-US" sz="2000" dirty="0"/>
-              <a:t>는 학생의 현재 능력 수준을 기준으로 </a:t>
-            </a:r>
-            <a:r>
-              <a:rPr lang="en-US" altLang="ko-KR" sz="2000" dirty="0"/>
-              <a:t>RDS</a:t>
-            </a:r>
-            <a:r>
-              <a:rPr lang="ko-KR" altLang="en-US" sz="2000" dirty="0"/>
-              <a:t>에서 난이도가 적절한 문제를 조회합니다</a:t>
-            </a:r>
-            <a:r>
-              <a:rPr lang="en-US" altLang="ko-KR" sz="2000" dirty="0"/>
-              <a:t>.(ex. </a:t>
-            </a:r>
-            <a:r>
-              <a:rPr lang="en-US" altLang="ko-KR" sz="2000" dirty="0" err="1"/>
-              <a:t>Sql</a:t>
-            </a:r>
-            <a:r>
-              <a:rPr lang="en-US" altLang="ko-KR" sz="2000" dirty="0"/>
-              <a:t> </a:t>
-            </a:r>
-            <a:r>
-              <a:rPr lang="ko-KR" altLang="en-US" sz="2000" dirty="0" err="1"/>
-              <a:t>쿼리문</a:t>
-            </a:r>
-            <a:r>
-              <a:rPr lang="ko-KR" altLang="en-US" sz="2000" dirty="0"/>
-              <a:t> 활용</a:t>
-            </a:r>
-            <a:r>
-              <a:rPr lang="en-US" altLang="ko-KR" sz="2000" dirty="0"/>
-              <a:t>)</a:t>
-            </a:r>
-          </a:p>
-          <a:p>
-            <a:pPr lvl="2"/>
-            <a:r>
-              <a:rPr lang="en-US" altLang="ko-KR" sz="1400" dirty="0"/>
-              <a:t>SELECT * FROM questions WHERE difficulty BETWEEN %s - 0.5 AND %s + 0.5 ORDER BY RAND() LIMIT 1;</a:t>
-            </a:r>
-            <a:endParaRPr lang="en-US" altLang="ko-KR" sz="1600" dirty="0"/>
-          </a:p>
-          <a:p>
-            <a:pPr lvl="1"/>
-            <a:r>
-              <a:rPr lang="ko-KR" altLang="en-US" sz="2000" dirty="0"/>
-              <a:t>이때</a:t>
-            </a:r>
-            <a:r>
-              <a:rPr lang="en-US" altLang="ko-KR" sz="2000" dirty="0"/>
-              <a:t>, </a:t>
-            </a:r>
-            <a:r>
-              <a:rPr lang="ko-KR" altLang="en-US" sz="2000" dirty="0"/>
-              <a:t>능력 수준과 문제 난이도가 적절하게 매칭되도록 난이도 간격을 설정하여 조회할 수 있습니다</a:t>
-            </a:r>
-            <a:r>
-              <a:rPr lang="en-US" altLang="ko-KR" sz="2000" dirty="0"/>
-              <a:t>.</a:t>
-            </a:r>
-          </a:p>
-          <a:p>
+              <a:t> 전송하여 학생이 문제를 풀 수 </a:t>
+            </a:r>
+            <a:r>
+              <a:rPr lang="ko-KR" altLang="en-US" sz="2000" dirty="0" smtClean="0"/>
+              <a:t>있게 함</a:t>
+            </a:r>
             <a:endParaRPr lang="en-US" altLang="ko-KR" sz="2000" dirty="0"/>
           </a:p>
         </p:txBody>
@@ -4344,7 +6024,7 @@
     </p:spTree>
     <p:extLst>
       <p:ext uri="{BB962C8B-B14F-4D97-AF65-F5344CB8AC3E}">
-        <p14:creationId xmlns:p14="http://schemas.microsoft.com/office/powerpoint/2010/main" val="571010880"/>
+        <p14:creationId xmlns:p14="http://schemas.microsoft.com/office/powerpoint/2010/main" val="34855662"/>
       </p:ext>
     </p:extLst>
   </p:cSld>
@@ -4362,7 +6042,7 @@
         <p:cNvPr id="1" name="">
           <a:extLst>
             <a:ext uri="{FF2B5EF4-FFF2-40B4-BE49-F238E27FC236}">
-              <a16:creationId xmlns:a16="http://schemas.microsoft.com/office/drawing/2014/main" id="{69BC2B97-C570-46B1-C690-7FE92BDF9ED3}"/>
+              <a16:creationId xmlns:a16="http://schemas.microsoft.com/office/drawing/2014/main" xmlns="" id="{F11A9030-1B27-2913-8443-6374C79553C2}"/>
             </a:ext>
           </a:extLst>
         </p:cNvPr>
@@ -4382,7 +6062,7 @@
           <p:cNvPr id="2" name="제목 1">
             <a:extLst>
               <a:ext uri="{FF2B5EF4-FFF2-40B4-BE49-F238E27FC236}">
-                <a16:creationId xmlns:a16="http://schemas.microsoft.com/office/drawing/2014/main" id="{C8FC82F2-C187-FFDE-16AC-DA1547439D3B}"/>
+                <a16:creationId xmlns:a16="http://schemas.microsoft.com/office/drawing/2014/main" xmlns="" id="{3992F6E8-51DB-16B4-FE30-5B69304EE2C3}"/>
               </a:ext>
             </a:extLst>
           </p:cNvPr>
@@ -4406,13 +6086,18 @@
           <a:lstStyle/>
           <a:p>
             <a:r>
-              <a:rPr lang="en-US" altLang="ko-KR" sz="3600" dirty="0"/>
-              <a:t>5.</a:t>
+              <a:rPr lang="en-US" altLang="ko-KR" sz="3600" dirty="0" smtClean="0"/>
+              <a:t>4.</a:t>
+            </a:r>
+            <a:r>
+              <a:rPr lang="ko-KR" altLang="en-US" sz="3600" dirty="0" smtClean="0"/>
+              <a:t> </a:t>
             </a:r>
             <a:r>
               <a:rPr lang="ko-KR" altLang="en-US" sz="3600" dirty="0"/>
-              <a:t> 다음 문제 제공</a:t>
-            </a:r>
+              <a:t>응답 제출 및 채점</a:t>
+            </a:r>
+            <a:endParaRPr lang="ko-KR" altLang="en-US" sz="3600" dirty="0"/>
           </a:p>
         </p:txBody>
       </p:sp>
@@ -4421,7 +6106,7 @@
           <p:cNvPr id="3" name="내용 개체 틀 2">
             <a:extLst>
               <a:ext uri="{FF2B5EF4-FFF2-40B4-BE49-F238E27FC236}">
-                <a16:creationId xmlns:a16="http://schemas.microsoft.com/office/drawing/2014/main" id="{EE8274E6-D21B-2670-F1ED-FA622D5F51E0}"/>
+                <a16:creationId xmlns:a16="http://schemas.microsoft.com/office/drawing/2014/main" xmlns="" id="{5A00D705-3049-7D51-1768-174144A3CCD9}"/>
               </a:ext>
             </a:extLst>
           </p:cNvPr>
@@ -4446,11 +6131,25 @@
           <a:p>
             <a:r>
               <a:rPr lang="en-US" altLang="ko-KR" sz="2000" dirty="0"/>
-              <a:t>Lambda</a:t>
-            </a:r>
+              <a:t>API Gateway, Lambda, </a:t>
+            </a:r>
+            <a:r>
+              <a:rPr lang="en-US" altLang="ko-KR" sz="2000" dirty="0" err="1"/>
+              <a:t>SageMaker</a:t>
+            </a:r>
+            <a:r>
+              <a:rPr lang="en-US" altLang="ko-KR" sz="2000" dirty="0"/>
+              <a:t> </a:t>
+            </a:r>
+            <a:r>
+              <a:rPr lang="en-US" altLang="ko-KR" sz="2000" dirty="0" smtClean="0"/>
+              <a:t>Endpoint</a:t>
+            </a:r>
+          </a:p>
+          <a:p>
             <a:r>
               <a:rPr lang="ko-KR" altLang="en-US" sz="2000" dirty="0"/>
-              <a:t>는 조회한 문제를 </a:t>
+              <a:t>학생의 응답이 제출되면 </a:t>
             </a:r>
             <a:r>
               <a:rPr lang="en-US" altLang="ko-KR" sz="2000" dirty="0"/>
@@ -4458,27 +6157,113 @@
             </a:r>
             <a:r>
               <a:rPr lang="ko-KR" altLang="en-US" sz="2000" dirty="0"/>
-              <a:t>를 통해 학생의 </a:t>
-            </a:r>
-            <a:r>
-              <a:rPr lang="ko-KR" altLang="en-US" sz="2000" dirty="0" err="1"/>
-              <a:t>태블릿으로</a:t>
+              <a:t>가 </a:t>
+            </a:r>
+            <a:r>
+              <a:rPr lang="en-US" altLang="ko-KR" sz="2000" dirty="0"/>
+              <a:t>Lambda</a:t>
             </a:r>
             <a:r>
               <a:rPr lang="ko-KR" altLang="en-US" sz="2000" dirty="0"/>
-              <a:t> 전송합니다</a:t>
-            </a:r>
+              <a:t>로 이를 </a:t>
+            </a:r>
+            <a:r>
+              <a:rPr lang="ko-KR" altLang="en-US" sz="2000" dirty="0" smtClean="0"/>
+              <a:t>전달</a:t>
+            </a:r>
+            <a:endParaRPr lang="en-US" altLang="ko-KR" sz="2000" dirty="0" smtClean="0"/>
+          </a:p>
+          <a:p>
             <a:r>
               <a:rPr lang="en-US" altLang="ko-KR" sz="2000" dirty="0"/>
-              <a:t>.</a:t>
-            </a:r>
+              <a:t>Lambda</a:t>
+            </a:r>
+            <a:r>
+              <a:rPr lang="ko-KR" altLang="en-US" sz="2000" dirty="0"/>
+              <a:t>는 </a:t>
+            </a:r>
+            <a:r>
+              <a:rPr lang="en-US" altLang="ko-KR" sz="2000" dirty="0" err="1"/>
+              <a:t>SageMaker</a:t>
+            </a:r>
+            <a:r>
+              <a:rPr lang="en-US" altLang="ko-KR" sz="2000" dirty="0"/>
+              <a:t> Endpoint</a:t>
+            </a:r>
+            <a:r>
+              <a:rPr lang="ko-KR" altLang="en-US" sz="2000" dirty="0"/>
+              <a:t>에 응답을 보내 채점과 </a:t>
+            </a:r>
+            <a:r>
+              <a:rPr lang="en-US" altLang="ko-KR" sz="2000" dirty="0"/>
+              <a:t>θ </a:t>
+            </a:r>
+            <a:r>
+              <a:rPr lang="ko-KR" altLang="en-US" sz="2000" dirty="0"/>
+              <a:t>업데이트를 </a:t>
+            </a:r>
+            <a:r>
+              <a:rPr lang="ko-KR" altLang="en-US" sz="2000" dirty="0" smtClean="0"/>
+              <a:t>요청</a:t>
+            </a:r>
+            <a:endParaRPr lang="en-US" altLang="ko-KR" sz="2000" dirty="0" smtClean="0"/>
+          </a:p>
+          <a:p>
+            <a:endParaRPr lang="en-US" altLang="ko-KR" sz="2000" dirty="0"/>
+          </a:p>
+          <a:p>
+            <a:r>
+              <a:rPr lang="ko-KR" altLang="en-US" sz="2000" b="1" dirty="0"/>
+              <a:t>결과</a:t>
+            </a:r>
+            <a:r>
+              <a:rPr lang="en-US" altLang="ko-KR" sz="2000" dirty="0"/>
+              <a:t>: </a:t>
+            </a:r>
+            <a:r>
+              <a:rPr lang="en-US" altLang="ko-KR" sz="2000" dirty="0" err="1"/>
+              <a:t>SageMaker</a:t>
+            </a:r>
+            <a:r>
+              <a:rPr lang="en-US" altLang="ko-KR" sz="2000" dirty="0"/>
+              <a:t> Endpoint</a:t>
+            </a:r>
+            <a:r>
+              <a:rPr lang="ko-KR" altLang="en-US" sz="2000" dirty="0"/>
+              <a:t>에서 </a:t>
+            </a:r>
+            <a:r>
+              <a:rPr lang="en-US" altLang="ko-KR" sz="2000" dirty="0"/>
+              <a:t>θ </a:t>
+            </a:r>
+            <a:r>
+              <a:rPr lang="ko-KR" altLang="en-US" sz="2000" dirty="0"/>
+              <a:t>값을 업데이트하여 반환하고</a:t>
+            </a:r>
+            <a:r>
+              <a:rPr lang="en-US" altLang="ko-KR" sz="2000" dirty="0"/>
+              <a:t>, Lambda</a:t>
+            </a:r>
+            <a:r>
+              <a:rPr lang="ko-KR" altLang="en-US" sz="2000" dirty="0"/>
+              <a:t>는 이를 이용해 </a:t>
+            </a:r>
+            <a:r>
+              <a:rPr lang="en-US" altLang="ko-KR" sz="2000" dirty="0"/>
+              <a:t>RDS</a:t>
+            </a:r>
+            <a:r>
+              <a:rPr lang="ko-KR" altLang="en-US" sz="2000" dirty="0"/>
+              <a:t>에 업데이트</a:t>
+            </a:r>
+            <a:endParaRPr lang="en-US" altLang="ko-KR" sz="2000" dirty="0"/>
           </a:p>
         </p:txBody>
       </p:sp>
     </p:spTree>
     <p:extLst>
       <p:ext uri="{BB962C8B-B14F-4D97-AF65-F5344CB8AC3E}">
-        <p14:creationId xmlns:p14="http://schemas.microsoft.com/office/powerpoint/2010/main" val="472453280"/>
+        <p14:creationId xmlns:p14="http://schemas.microsoft.com/office/powerpoint/2010/main" val="571010880"/>
       </p:ext>
     </p:extLst>
   </p:cSld>
@@ -4496,7 +6281,7 @@
         <p:cNvPr id="1" name="">
           <a:extLst>
             <a:ext uri="{FF2B5EF4-FFF2-40B4-BE49-F238E27FC236}">
-              <a16:creationId xmlns:a16="http://schemas.microsoft.com/office/drawing/2014/main" id="{9C004FA6-3990-54C7-789D-4777311E7890}"/>
+              <a16:creationId xmlns:a16="http://schemas.microsoft.com/office/drawing/2014/main" xmlns="" id="{69BC2B97-C570-46B1-C690-7FE92BDF9ED3}"/>
             </a:ext>
           </a:extLst>
         </p:cNvPr>
@@ -4516,7 +6301,7 @@
           <p:cNvPr id="2" name="제목 1">
             <a:extLst>
               <a:ext uri="{FF2B5EF4-FFF2-40B4-BE49-F238E27FC236}">
-                <a16:creationId xmlns:a16="http://schemas.microsoft.com/office/drawing/2014/main" id="{4DB91AEA-C161-9F8E-0029-24F8ECD6DC7D}"/>
+                <a16:creationId xmlns:a16="http://schemas.microsoft.com/office/drawing/2014/main" xmlns="" id="{C8FC82F2-C187-FFDE-16AC-DA1547439D3B}"/>
               </a:ext>
             </a:extLst>
           </p:cNvPr>
@@ -4541,28 +6326,25 @@
           <a:p>
             <a:r>
               <a:rPr lang="en-US" altLang="ko-KR" sz="3600" dirty="0"/>
-              <a:t>6.</a:t>
+              <a:t>5.</a:t>
             </a:r>
             <a:r>
               <a:rPr lang="ko-KR" altLang="en-US" sz="3600" dirty="0"/>
               <a:t> </a:t>
             </a:r>
             <a:r>
-              <a:rPr lang="en-US" altLang="ko-KR" sz="3600" dirty="0" err="1"/>
-              <a:t>Rds</a:t>
+              <a:rPr lang="en-US" altLang="ko-KR" sz="3600" dirty="0"/>
+              <a:t>θ </a:t>
+            </a:r>
+            <a:r>
+              <a:rPr lang="ko-KR" altLang="en-US" sz="3600" dirty="0" err="1"/>
+              <a:t>추정값</a:t>
             </a:r>
             <a:r>
               <a:rPr lang="ko-KR" altLang="en-US" sz="3600" dirty="0"/>
-              <a:t>와 </a:t>
-            </a:r>
-            <a:r>
-              <a:rPr lang="en-US" altLang="ko-KR" sz="3600" dirty="0" err="1"/>
-              <a:t>QuickSight</a:t>
-            </a:r>
-            <a:r>
-              <a:rPr lang="ko-KR" altLang="en-US" sz="3600" dirty="0"/>
-              <a:t>를 통한 시각화</a:t>
-            </a:r>
+              <a:t> 업데이트</a:t>
+            </a:r>
+            <a:endParaRPr lang="ko-KR" altLang="en-US" sz="3600" dirty="0"/>
           </a:p>
         </p:txBody>
       </p:sp>
@@ -4571,7 +6353,7 @@
           <p:cNvPr id="3" name="내용 개체 틀 2">
             <a:extLst>
               <a:ext uri="{FF2B5EF4-FFF2-40B4-BE49-F238E27FC236}">
-                <a16:creationId xmlns:a16="http://schemas.microsoft.com/office/drawing/2014/main" id="{9860A25B-5AF8-A370-C026-54F42D2EFC5E}"/>
+                <a16:creationId xmlns:a16="http://schemas.microsoft.com/office/drawing/2014/main" xmlns="" id="{EE8274E6-D21B-2670-F1ED-FA622D5F51E0}"/>
               </a:ext>
             </a:extLst>
           </p:cNvPr>
@@ -4595,14 +6377,94 @@
           <a:lstStyle/>
           <a:p>
             <a:r>
-              <a:rPr lang="en-US" altLang="ko-KR" sz="2000">
-                <a:hlinkClick r:id="rId2"/>
-              </a:rPr>
-              <a:t>https://dev.classmethod.jp/articles/start-to-quicksight-and-connect-to-rds-on-privatesubnet-kr/</a:t>
-            </a:r>
-            <a:endParaRPr lang="en-US" altLang="ko-KR" sz="2000"/>
-          </a:p>
-          <a:p>
+              <a:rPr lang="en-US" altLang="ko-KR" sz="2000" dirty="0"/>
+              <a:t>Lambda, </a:t>
+            </a:r>
+            <a:r>
+              <a:rPr lang="en-US" altLang="ko-KR" sz="2000" dirty="0" err="1"/>
+              <a:t>SageMaker</a:t>
+            </a:r>
+            <a:r>
+              <a:rPr lang="en-US" altLang="ko-KR" sz="2000" dirty="0"/>
+              <a:t> Endpoint, </a:t>
+            </a:r>
+            <a:r>
+              <a:rPr lang="en-US" altLang="ko-KR" sz="2000" dirty="0" smtClean="0"/>
+              <a:t>RDS</a:t>
+            </a:r>
+            <a:endParaRPr lang="en-US" altLang="ko-KR" sz="2000" dirty="0"/>
+          </a:p>
+          <a:p>
+            <a:r>
+              <a:rPr lang="en-US" altLang="ko-KR" sz="2000" dirty="0" err="1"/>
+              <a:t>SageMaker</a:t>
+            </a:r>
+            <a:r>
+              <a:rPr lang="en-US" altLang="ko-KR" sz="2000" dirty="0"/>
+              <a:t> Endpoint</a:t>
+            </a:r>
+            <a:r>
+              <a:rPr lang="ko-KR" altLang="en-US" sz="2000" dirty="0"/>
+              <a:t>가 반환한 </a:t>
+            </a:r>
+            <a:r>
+              <a:rPr lang="en-US" altLang="ko-KR" sz="2000" dirty="0"/>
+              <a:t>θ </a:t>
+            </a:r>
+            <a:r>
+              <a:rPr lang="ko-KR" altLang="en-US" sz="2000" dirty="0"/>
+              <a:t>값을 </a:t>
+            </a:r>
+            <a:r>
+              <a:rPr lang="en-US" altLang="ko-KR" sz="2000" dirty="0"/>
+              <a:t>Lambda</a:t>
+            </a:r>
+            <a:r>
+              <a:rPr lang="ko-KR" altLang="en-US" sz="2000" dirty="0"/>
+              <a:t>가 수신하고 이를 </a:t>
+            </a:r>
+            <a:r>
+              <a:rPr lang="en-US" altLang="ko-KR" sz="2000" dirty="0"/>
+              <a:t>RDS</a:t>
+            </a:r>
+            <a:r>
+              <a:rPr lang="ko-KR" altLang="en-US" sz="2000" dirty="0"/>
+              <a:t>에 업데이트하여 이후 문제 선택에 </a:t>
+            </a:r>
+            <a:r>
+              <a:rPr lang="ko-KR" altLang="en-US" sz="2000" dirty="0" smtClean="0"/>
+              <a:t>반영</a:t>
+            </a:r>
+            <a:endParaRPr lang="en-US" altLang="ko-KR" sz="2000" dirty="0" smtClean="0"/>
+          </a:p>
+          <a:p>
+            <a:endParaRPr lang="en-US" altLang="ko-KR" sz="2000" dirty="0"/>
+          </a:p>
+          <a:p>
+            <a:r>
+              <a:rPr lang="ko-KR" altLang="en-US" sz="2000" dirty="0"/>
+              <a:t>최신 </a:t>
+            </a:r>
+            <a:r>
+              <a:rPr lang="en-US" altLang="ko-KR" sz="2000" dirty="0"/>
+              <a:t>θ </a:t>
+            </a:r>
+            <a:r>
+              <a:rPr lang="ko-KR" altLang="en-US" sz="2000" dirty="0"/>
+              <a:t>값이 </a:t>
+            </a:r>
+            <a:r>
+              <a:rPr lang="en-US" altLang="ko-KR" sz="2000" dirty="0"/>
+              <a:t>RDS</a:t>
+            </a:r>
+            <a:r>
+              <a:rPr lang="ko-KR" altLang="en-US" sz="2000" dirty="0"/>
+              <a:t>에 저장되어 다음 문제 선택의 </a:t>
+            </a:r>
+            <a:r>
+              <a:rPr lang="ko-KR" altLang="en-US" sz="2000" dirty="0" smtClean="0"/>
+              <a:t>기준이 됨</a:t>
+            </a:r>
             <a:endParaRPr lang="en-US" altLang="ko-KR" sz="2000" dirty="0"/>
           </a:p>
         </p:txBody>
@@ -4610,7 +6472,7 @@
     </p:spTree>
     <p:extLst>
       <p:ext uri="{BB962C8B-B14F-4D97-AF65-F5344CB8AC3E}">
-        <p14:creationId xmlns:p14="http://schemas.microsoft.com/office/powerpoint/2010/main" val="1230800550"/>
+        <p14:creationId xmlns:p14="http://schemas.microsoft.com/office/powerpoint/2010/main" val="472453280"/>
       </p:ext>
     </p:extLst>
   </p:cSld>
@@ -4625,7 +6487,13 @@
   <p:cSld>
     <p:spTree>
       <p:nvGrpSpPr>
-        <p:cNvPr id="1" name=""/>
+        <p:cNvPr id="1" name="">
+          <a:extLst>
+            <a:ext uri="{FF2B5EF4-FFF2-40B4-BE49-F238E27FC236}">
+              <a16:creationId xmlns:a16="http://schemas.microsoft.com/office/drawing/2014/main" xmlns="" id="{9C004FA6-3990-54C7-789D-4777311E7890}"/>
+            </a:ext>
+          </a:extLst>
+        </p:cNvPr>
         <p:cNvGrpSpPr/>
         <p:nvPr/>
       </p:nvGrpSpPr>
@@ -4642,7 +6510,7 @@
           <p:cNvPr id="2" name="제목 1">
             <a:extLst>
               <a:ext uri="{FF2B5EF4-FFF2-40B4-BE49-F238E27FC236}">
-                <a16:creationId xmlns:a16="http://schemas.microsoft.com/office/drawing/2014/main" id="{03C5D339-FD10-B2AB-A34B-8280C7F2986A}"/>
+                <a16:creationId xmlns:a16="http://schemas.microsoft.com/office/drawing/2014/main" xmlns="" id="{4DB91AEA-C161-9F8E-0029-24F8ECD6DC7D}"/>
               </a:ext>
             </a:extLst>
           </p:cNvPr>
@@ -4653,12 +6521,27 @@
             <p:ph type="title"/>
           </p:nvPr>
         </p:nvSpPr>
-        <p:spPr/>
-        <p:txBody>
-          <a:bodyPr/>
-          <a:lstStyle/>
-          <a:p>
-            <a:endParaRPr lang="ko-KR" altLang="en-US"/>
+        <p:spPr>
+          <a:xfrm>
+            <a:off x="838200" y="365125"/>
+            <a:ext cx="9555178" cy="748451"/>
+          </a:xfrm>
+        </p:spPr>
+        <p:txBody>
+          <a:bodyPr>
+            <a:normAutofit/>
+          </a:bodyPr>
+          <a:lstStyle/>
+          <a:p>
+            <a:r>
+              <a:rPr lang="en-US" altLang="ko-KR" sz="3600" dirty="0" smtClean="0"/>
+              <a:t>6.</a:t>
+            </a:r>
+            <a:r>
+              <a:rPr lang="ko-KR" altLang="en-US" sz="3600" dirty="0" smtClean="0"/>
+              <a:t> 검사종료 및 기준평가</a:t>
+            </a:r>
+            <a:endParaRPr lang="ko-KR" altLang="en-US" sz="3600" dirty="0"/>
           </a:p>
         </p:txBody>
       </p:sp>
@@ -4667,7 +6550,7 @@
           <p:cNvPr id="3" name="내용 개체 틀 2">
             <a:extLst>
               <a:ext uri="{FF2B5EF4-FFF2-40B4-BE49-F238E27FC236}">
-                <a16:creationId xmlns:a16="http://schemas.microsoft.com/office/drawing/2014/main" id="{52EC068E-D274-BF9A-C013-702FC6B98318}"/>
+                <a16:creationId xmlns:a16="http://schemas.microsoft.com/office/drawing/2014/main" xmlns="" id="{9860A25B-5AF8-A370-C026-54F42D2EFC5E}"/>
               </a:ext>
             </a:extLst>
           </p:cNvPr>
@@ -4678,23 +6561,93 @@
             <p:ph idx="1"/>
           </p:nvPr>
         </p:nvSpPr>
-        <p:spPr/>
-        <p:txBody>
-          <a:bodyPr/>
-          <a:lstStyle/>
-          <a:p>
-            <a:r>
-              <a:rPr lang="en-US" altLang="ko-KR" dirty="0"/>
-              <a:t>https://dev.classmethod.jp/articles/start-to-quicksight-and-connect-to-rds-on-privatesubnet-kr/</a:t>
-            </a:r>
-            <a:endParaRPr lang="ko-KR" altLang="en-US" dirty="0"/>
+        <p:spPr>
+          <a:xfrm>
+            <a:off x="838200" y="1837853"/>
+            <a:ext cx="10515600" cy="4339110"/>
+          </a:xfrm>
+        </p:spPr>
+        <p:txBody>
+          <a:bodyPr>
+            <a:normAutofit/>
+          </a:bodyPr>
+          <a:lstStyle/>
+          <a:p>
+            <a:r>
+              <a:rPr lang="en-US" altLang="ko-KR" sz="2000" dirty="0"/>
+              <a:t>Lambda, </a:t>
+            </a:r>
+            <a:r>
+              <a:rPr lang="en-US" altLang="ko-KR" sz="2000" dirty="0" smtClean="0"/>
+              <a:t>RDS</a:t>
+            </a:r>
+          </a:p>
+          <a:p>
+            <a:r>
+              <a:rPr lang="en-US" altLang="ko-KR" sz="2000" dirty="0"/>
+              <a:t>Lambda</a:t>
+            </a:r>
+            <a:r>
+              <a:rPr lang="ko-KR" altLang="en-US" sz="2000" dirty="0"/>
+              <a:t>는 응답 결과와 문제 수를 기준으로 종료 여부를 </a:t>
+            </a:r>
+            <a:r>
+              <a:rPr lang="ko-KR" altLang="en-US" sz="2000" dirty="0" smtClean="0"/>
+              <a:t>평가</a:t>
+            </a:r>
+            <a:endParaRPr lang="en-US" altLang="ko-KR" sz="2000" dirty="0" smtClean="0"/>
+          </a:p>
+          <a:p>
+            <a:r>
+              <a:rPr lang="ko-KR" altLang="en-US" sz="2000" dirty="0"/>
+              <a:t>기준에 도달 시 </a:t>
+            </a:r>
+            <a:r>
+              <a:rPr lang="en-US" altLang="ko-KR" sz="2000" dirty="0"/>
+              <a:t>RDS</a:t>
+            </a:r>
+            <a:r>
+              <a:rPr lang="ko-KR" altLang="en-US" sz="2000" dirty="0"/>
+              <a:t>에 최종 결과를 </a:t>
+            </a:r>
+            <a:r>
+              <a:rPr lang="ko-KR" altLang="en-US" sz="2000" dirty="0" smtClean="0"/>
+              <a:t>기록</a:t>
+            </a:r>
+            <a:endParaRPr lang="en-US" altLang="ko-KR" sz="2000" dirty="0" smtClean="0"/>
+          </a:p>
+          <a:p>
+            <a:endParaRPr lang="en-US" altLang="ko-KR" sz="2000" dirty="0"/>
+          </a:p>
+          <a:p>
+            <a:r>
+              <a:rPr lang="ko-KR" altLang="en-US" sz="2000" b="1" dirty="0"/>
+              <a:t>결과</a:t>
+            </a:r>
+            <a:r>
+              <a:rPr lang="en-US" altLang="ko-KR" sz="2000" dirty="0"/>
+              <a:t>: </a:t>
+            </a:r>
+            <a:r>
+              <a:rPr lang="ko-KR" altLang="en-US" sz="2000" dirty="0"/>
+              <a:t>검사 종료 기준이 만족되면 최종 결과가 기록되고</a:t>
+            </a:r>
+            <a:r>
+              <a:rPr lang="en-US" altLang="ko-KR" sz="2000" dirty="0"/>
+              <a:t>, </a:t>
+            </a:r>
+            <a:r>
+              <a:rPr lang="ko-KR" altLang="en-US" sz="2000" dirty="0"/>
+              <a:t>그렇지 않으면 다음 문제를 선택합니다</a:t>
+            </a:r>
+            <a:endParaRPr lang="en-US" altLang="ko-KR" sz="2000" dirty="0"/>
           </a:p>
         </p:txBody>
       </p:sp>
     </p:spTree>
     <p:extLst>
       <p:ext uri="{BB962C8B-B14F-4D97-AF65-F5344CB8AC3E}">
-        <p14:creationId xmlns:p14="http://schemas.microsoft.com/office/powerpoint/2010/main" val="3069267333"/>
+        <p14:creationId xmlns:p14="http://schemas.microsoft.com/office/powerpoint/2010/main" val="1230800550"/>
       </p:ext>
     </p:extLst>
   </p:cSld>
@@ -5013,7 +6966,7 @@
   <a:extraClrSchemeLst/>
   <a:extLst>
     <a:ext uri="{05A4C25C-085E-4340-85A3-A5531E510DB2}">
-      <thm15:themeFamily xmlns:thm15="http://schemas.microsoft.com/office/thememl/2012/main" name="Office Theme" id="{2E142A2C-CD16-42D6-873A-C26D2A0506FA}" vid="{1BDDFF52-6CD6-40A5-AB3C-68EB2F1E4D0A}"/>
+      <thm15:themeFamily xmlns:thm15="http://schemas.microsoft.com/office/thememl/2012/main" xmlns="" name="Office Theme" id="{2E142A2C-CD16-42D6-873A-C26D2A0506FA}" vid="{1BDDFF52-6CD6-40A5-AB3C-68EB2F1E4D0A}"/>
     </a:ext>
   </a:extLst>
 </a:theme>
